--- a/Mine/SOM Development Techniques.pptx
+++ b/Mine/SOM Development Techniques.pptx
@@ -5,42 +5,46 @@
     <p:sldMasterId id="2147483648" r:id="rId1"/>
   </p:sldMasterIdLst>
   <p:notesMasterIdLst>
-    <p:notesMasterId r:id="rId30"/>
+    <p:notesMasterId r:id="rId34"/>
   </p:notesMasterIdLst>
   <p:sldIdLst>
     <p:sldId id="592" r:id="rId2"/>
-    <p:sldId id="593" r:id="rId3"/>
-    <p:sldId id="594" r:id="rId4"/>
-    <p:sldId id="595" r:id="rId5"/>
-    <p:sldId id="596" r:id="rId6"/>
-    <p:sldId id="597" r:id="rId7"/>
-    <p:sldId id="598" r:id="rId8"/>
-    <p:sldId id="599" r:id="rId9"/>
-    <p:sldId id="600" r:id="rId10"/>
-    <p:sldId id="601" r:id="rId11"/>
-    <p:sldId id="602" r:id="rId12"/>
-    <p:sldId id="603" r:id="rId13"/>
-    <p:sldId id="604" r:id="rId14"/>
-    <p:sldId id="605" r:id="rId15"/>
-    <p:sldId id="606" r:id="rId16"/>
-    <p:sldId id="607" r:id="rId17"/>
-    <p:sldId id="608" r:id="rId18"/>
-    <p:sldId id="609" r:id="rId19"/>
-    <p:sldId id="610" r:id="rId20"/>
-    <p:sldId id="611" r:id="rId21"/>
-    <p:sldId id="612" r:id="rId22"/>
-    <p:sldId id="613" r:id="rId23"/>
-    <p:sldId id="614" r:id="rId24"/>
-    <p:sldId id="615" r:id="rId25"/>
-    <p:sldId id="616" r:id="rId26"/>
-    <p:sldId id="617" r:id="rId27"/>
-    <p:sldId id="618" r:id="rId28"/>
-    <p:sldId id="619" r:id="rId29"/>
+    <p:sldId id="622" r:id="rId3"/>
+    <p:sldId id="623" r:id="rId4"/>
+    <p:sldId id="621" r:id="rId5"/>
+    <p:sldId id="620" r:id="rId6"/>
+    <p:sldId id="593" r:id="rId7"/>
+    <p:sldId id="594" r:id="rId8"/>
+    <p:sldId id="595" r:id="rId9"/>
+    <p:sldId id="596" r:id="rId10"/>
+    <p:sldId id="597" r:id="rId11"/>
+    <p:sldId id="598" r:id="rId12"/>
+    <p:sldId id="599" r:id="rId13"/>
+    <p:sldId id="600" r:id="rId14"/>
+    <p:sldId id="601" r:id="rId15"/>
+    <p:sldId id="602" r:id="rId16"/>
+    <p:sldId id="603" r:id="rId17"/>
+    <p:sldId id="604" r:id="rId18"/>
+    <p:sldId id="605" r:id="rId19"/>
+    <p:sldId id="606" r:id="rId20"/>
+    <p:sldId id="607" r:id="rId21"/>
+    <p:sldId id="608" r:id="rId22"/>
+    <p:sldId id="609" r:id="rId23"/>
+    <p:sldId id="610" r:id="rId24"/>
+    <p:sldId id="611" r:id="rId25"/>
+    <p:sldId id="612" r:id="rId26"/>
+    <p:sldId id="613" r:id="rId27"/>
+    <p:sldId id="614" r:id="rId28"/>
+    <p:sldId id="615" r:id="rId29"/>
+    <p:sldId id="616" r:id="rId30"/>
+    <p:sldId id="617" r:id="rId31"/>
+    <p:sldId id="618" r:id="rId32"/>
+    <p:sldId id="619" r:id="rId33"/>
   </p:sldIdLst>
   <p:sldSz cx="9144000" cy="6858000" type="screen4x3"/>
   <p:notesSz cx="7010400" cy="9296400"/>
   <p:custDataLst>
-    <p:tags r:id="rId31"/>
+    <p:tags r:id="rId35"/>
   </p:custDataLst>
   <p:defaultTextStyle>
     <a:defPPr>
@@ -259,7 +263,7 @@
             <a:fld id="{079ADD10-DF8A-4C64-866A-8CD3D8086516}" type="datetimeFigureOut">
               <a:rPr lang="en-US" smtClean="0"/>
               <a:pPr/>
-              <a:t>6/8/2015</a:t>
+              <a:t>6/22/2015</a:t>
             </a:fld>
             <a:endParaRPr lang="en-US"/>
           </a:p>
@@ -430,7 +434,7 @@
     </p:spTree>
     <p:extLst>
       <p:ext uri="{BB962C8B-B14F-4D97-AF65-F5344CB8AC3E}">
-        <p14:creationId xmlns:p14="http://schemas.microsoft.com/office/powerpoint/2010/main" xmlns="" val="2692084447"/>
+        <p14:creationId xmlns="" xmlns:p14="http://schemas.microsoft.com/office/powerpoint/2010/main" val="2692084447"/>
       </p:ext>
     </p:extLst>
   </p:cSld>
@@ -578,31 +582,102 @@
           <a:p>
             <a:r>
               <a:rPr lang="en-US" dirty="0" smtClean="0"/>
-              <a:t>Socket CLIP is the clip which defines I/O for the board</a:t>
+              <a:t>You can rename</a:t>
             </a:r>
             <a:r>
               <a:rPr lang="en-US" baseline="0" dirty="0" smtClean="0"/>
-              <a:t> </a:t>
-            </a:r>
-          </a:p>
-          <a:p>
+              <a:t> the </a:t>
+            </a:r>
+            <a:r>
+              <a:rPr lang="en-US" baseline="0" dirty="0" err="1" smtClean="0"/>
+              <a:t>sbRIO</a:t>
+            </a:r>
             <a:r>
               <a:rPr lang="en-US" baseline="0" dirty="0" smtClean="0"/>
-              <a:t>DIO’s, Voltage levels for the DIO such as LVCMOS etc.</a:t>
-            </a:r>
-          </a:p>
-          <a:p>
-            <a:endParaRPr lang="en-US" baseline="0" dirty="0" smtClean="0"/>
-          </a:p>
-          <a:p>
-            <a:r>
-              <a:rPr lang="en-US" baseline="0" dirty="0" err="1" smtClean="0"/>
-              <a:t>Socketed</a:t>
-            </a:r>
-            <a:r>
-              <a:rPr lang="en-US" baseline="0" dirty="0" smtClean="0"/>
-              <a:t> CLIP also has timing constraints file</a:t>
-            </a:r>
+              <a:t> Name in MAX			</a:t>
+            </a:r>
+            <a:endParaRPr lang="en-US" dirty="0"/>
+          </a:p>
+        </p:txBody>
+      </p:sp>
+      <p:sp>
+        <p:nvSpPr>
+          <p:cNvPr id="4" name="Slide Number Placeholder 3"/>
+          <p:cNvSpPr>
+            <a:spLocks noGrp="1"/>
+          </p:cNvSpPr>
+          <p:nvPr>
+            <p:ph type="sldNum" sz="quarter" idx="10"/>
+          </p:nvPr>
+        </p:nvSpPr>
+        <p:spPr/>
+        <p:txBody>
+          <a:bodyPr/>
+          <a:lstStyle/>
+          <a:p>
+            <a:fld id="{2D9CA52D-E199-4166-A4C0-D20E8189811E}" type="slidenum">
+              <a:rPr lang="en-US" smtClean="0"/>
+              <a:pPr/>
+              <a:t>2</a:t>
+            </a:fld>
+            <a:endParaRPr lang="en-US"/>
+          </a:p>
+        </p:txBody>
+      </p:sp>
+    </p:spTree>
+  </p:cSld>
+  <p:clrMapOvr>
+    <a:masterClrMapping/>
+  </p:clrMapOvr>
+</p:notes>
+</file>
+
+<file path=ppt/notesSlides/notesSlide10.xml><?xml version="1.0" encoding="utf-8"?>
+<p:notes xmlns:a="http://schemas.openxmlformats.org/drawingml/2006/main" xmlns:r="http://schemas.openxmlformats.org/officeDocument/2006/relationships" xmlns:p="http://schemas.openxmlformats.org/presentationml/2006/main">
+  <p:cSld>
+    <p:spTree>
+      <p:nvGrpSpPr>
+        <p:cNvPr id="1" name=""/>
+        <p:cNvGrpSpPr/>
+        <p:nvPr/>
+      </p:nvGrpSpPr>
+      <p:grpSpPr>
+        <a:xfrm>
+          <a:off x="0" y="0"/>
+          <a:ext cx="0" cy="0"/>
+          <a:chOff x="0" y="0"/>
+          <a:chExt cx="0" cy="0"/>
+        </a:xfrm>
+      </p:grpSpPr>
+      <p:sp>
+        <p:nvSpPr>
+          <p:cNvPr id="2" name="Slide Image Placeholder 1"/>
+          <p:cNvSpPr>
+            <a:spLocks noGrp="1" noRot="1" noChangeAspect="1"/>
+          </p:cNvSpPr>
+          <p:nvPr>
+            <p:ph type="sldImg"/>
+          </p:nvPr>
+        </p:nvSpPr>
+        <p:spPr/>
+      </p:sp>
+      <p:sp>
+        <p:nvSpPr>
+          <p:cNvPr id="3" name="Notes Placeholder 2"/>
+          <p:cNvSpPr>
+            <a:spLocks noGrp="1"/>
+          </p:cNvSpPr>
+          <p:nvPr>
+            <p:ph type="body" idx="1"/>
+          </p:nvPr>
+        </p:nvSpPr>
+        <p:spPr/>
+        <p:txBody>
+          <a:bodyPr>
+            <a:normAutofit/>
+          </a:bodyPr>
+          <a:lstStyle/>
+          <a:p>
             <a:endParaRPr lang="en-US" dirty="0"/>
           </a:p>
         </p:txBody>
@@ -625,7 +700,7 @@
             <a:fld id="{D7A5141B-D021-4CA5-97E1-CDFCBC0E94CE}" type="slidenum">
               <a:rPr lang="en-US" smtClean="0"/>
               <a:pPr/>
-              <a:t>2</a:t>
+              <a:t>26</a:t>
             </a:fld>
             <a:endParaRPr lang="en-US"/>
           </a:p>
@@ -687,15 +762,7 @@
           <a:p>
             <a:r>
               <a:rPr lang="en-US" dirty="0" smtClean="0"/>
-              <a:t>You can select only the pins you are interested</a:t>
-            </a:r>
-            <a:r>
-              <a:rPr lang="en-US" baseline="0" dirty="0" smtClean="0"/>
-              <a:t> in programming with on LVFPGA </a:t>
-            </a:r>
-            <a:r>
-              <a:rPr lang="en-US" baseline="0" smtClean="0"/>
-              <a:t>Block diagram</a:t>
+              <a:t>NI-sbRIO-9651-NIWeek2015</a:t>
             </a:r>
             <a:endParaRPr lang="en-US" dirty="0"/>
           </a:p>
@@ -716,10 +783,10 @@
           <a:bodyPr/>
           <a:lstStyle/>
           <a:p>
-            <a:fld id="{D7A5141B-D021-4CA5-97E1-CDFCBC0E94CE}" type="slidenum">
+            <a:fld id="{2D9CA52D-E199-4166-A4C0-D20E8189811E}" type="slidenum">
               <a:rPr lang="en-US" smtClean="0"/>
               <a:pPr/>
-              <a:t>7</a:t>
+              <a:t>3</a:t>
             </a:fld>
             <a:endParaRPr lang="en-US"/>
           </a:p>
@@ -779,14 +846,6 @@
           </a:bodyPr>
           <a:lstStyle/>
           <a:p>
-            <a:r>
-              <a:rPr lang="en-US" dirty="0" smtClean="0"/>
-              <a:t>Right Click on Socket CLIP &gt;&gt;</a:t>
-            </a:r>
-            <a:r>
-              <a:rPr lang="en-US" baseline="0" dirty="0" smtClean="0"/>
-              <a:t> Properties &gt;&gt; Clock Selections</a:t>
-            </a:r>
             <a:endParaRPr lang="en-US" dirty="0"/>
           </a:p>
         </p:txBody>
@@ -806,10 +865,10 @@
           <a:bodyPr/>
           <a:lstStyle/>
           <a:p>
-            <a:fld id="{D7A5141B-D021-4CA5-97E1-CDFCBC0E94CE}" type="slidenum">
+            <a:fld id="{2D9CA52D-E199-4166-A4C0-D20E8189811E}" type="slidenum">
               <a:rPr lang="en-US" smtClean="0"/>
               <a:pPr/>
-              <a:t>16</a:t>
+              <a:t>4</a:t>
             </a:fld>
             <a:endParaRPr lang="en-US"/>
           </a:p>
@@ -869,6 +928,233 @@
           </a:bodyPr>
           <a:lstStyle/>
           <a:p>
+            <a:r>
+              <a:rPr lang="en-US" dirty="0" smtClean="0"/>
+              <a:t> </a:t>
+            </a:r>
+            <a:r>
+              <a:rPr lang="en-US" dirty="0" err="1" smtClean="0"/>
+              <a:t>opkg</a:t>
+            </a:r>
+            <a:r>
+              <a:rPr lang="en-US" dirty="0" smtClean="0"/>
+              <a:t> update</a:t>
+            </a:r>
+          </a:p>
+          <a:p>
+            <a:r>
+              <a:rPr lang="en-US" dirty="0" smtClean="0"/>
+              <a:t>  </a:t>
+            </a:r>
+            <a:r>
+              <a:rPr lang="en-US" dirty="0" err="1" smtClean="0"/>
+              <a:t>ifconfig</a:t>
+            </a:r>
+            <a:endParaRPr lang="en-US" dirty="0" smtClean="0"/>
+          </a:p>
+          <a:p>
+            <a:r>
+              <a:rPr lang="en-US" dirty="0" smtClean="0"/>
+              <a:t>  </a:t>
+            </a:r>
+            <a:r>
+              <a:rPr lang="en-US" dirty="0" err="1" smtClean="0"/>
+              <a:t>wpa_cli</a:t>
+            </a:r>
+            <a:r>
+              <a:rPr lang="en-US" dirty="0" smtClean="0"/>
+              <a:t> status          ...I am in Access Point Mode</a:t>
+            </a:r>
+          </a:p>
+          <a:p>
+            <a:r>
+              <a:rPr lang="en-US" dirty="0" smtClean="0"/>
+              <a:t>  </a:t>
+            </a:r>
+            <a:r>
+              <a:rPr lang="en-US" dirty="0" err="1" smtClean="0"/>
+              <a:t>ps</a:t>
+            </a:r>
+            <a:r>
+              <a:rPr lang="en-US" dirty="0" smtClean="0"/>
+              <a:t> | </a:t>
+            </a:r>
+            <a:r>
+              <a:rPr lang="en-US" dirty="0" err="1" smtClean="0"/>
+              <a:t>grep</a:t>
+            </a:r>
+            <a:r>
+              <a:rPr lang="en-US" dirty="0" smtClean="0"/>
+              <a:t> </a:t>
+            </a:r>
+            <a:r>
+              <a:rPr lang="en-US" dirty="0" err="1" smtClean="0"/>
+              <a:t>grep</a:t>
+            </a:r>
+            <a:r>
+              <a:rPr lang="en-US" dirty="0" smtClean="0"/>
+              <a:t> </a:t>
+            </a:r>
+            <a:r>
+              <a:rPr lang="en-US" dirty="0" err="1" smtClean="0"/>
+              <a:t>dhc</a:t>
+            </a:r>
+            <a:endParaRPr lang="en-US" dirty="0" smtClean="0"/>
+          </a:p>
+          <a:p>
+            <a:r>
+              <a:rPr lang="en-US" dirty="0" smtClean="0"/>
+              <a:t>  </a:t>
+            </a:r>
+            <a:r>
+              <a:rPr lang="en-US" dirty="0" err="1" smtClean="0"/>
+              <a:t>ps</a:t>
+            </a:r>
+            <a:r>
+              <a:rPr lang="en-US" dirty="0" smtClean="0"/>
+              <a:t> | </a:t>
+            </a:r>
+            <a:r>
+              <a:rPr lang="en-US" dirty="0" err="1" smtClean="0"/>
+              <a:t>grep</a:t>
+            </a:r>
+            <a:r>
+              <a:rPr lang="en-US" dirty="0" smtClean="0"/>
+              <a:t> </a:t>
+            </a:r>
+            <a:r>
+              <a:rPr lang="en-US" dirty="0" err="1" smtClean="0"/>
+              <a:t>dhc</a:t>
+            </a:r>
+            <a:endParaRPr lang="en-US" dirty="0" smtClean="0"/>
+          </a:p>
+          <a:p>
+            <a:r>
+              <a:rPr lang="en-US" dirty="0" smtClean="0"/>
+              <a:t>  cat /etc/udhcpd.wlan0.conf</a:t>
+            </a:r>
+          </a:p>
+          <a:p>
+            <a:r>
+              <a:rPr lang="en-US" dirty="0" smtClean="0"/>
+              <a:t>  vi /etc/udhcpd.wlan0.conf   .... Save goes to cache...might not go to drive</a:t>
+            </a:r>
+          </a:p>
+          <a:p>
+            <a:r>
+              <a:rPr lang="en-US" dirty="0" smtClean="0"/>
+              <a:t>  sync                        ...  Flushes disk buffer and caches</a:t>
+            </a:r>
+          </a:p>
+          <a:p>
+            <a:r>
+              <a:rPr lang="en-US" dirty="0" smtClean="0"/>
+              <a:t>  </a:t>
+            </a:r>
+            <a:r>
+              <a:rPr lang="en-US" dirty="0" err="1" smtClean="0"/>
+              <a:t>ps</a:t>
+            </a:r>
+            <a:r>
+              <a:rPr lang="en-US" dirty="0" smtClean="0"/>
+              <a:t> | </a:t>
+            </a:r>
+            <a:r>
+              <a:rPr lang="en-US" dirty="0" err="1" smtClean="0"/>
+              <a:t>grep</a:t>
+            </a:r>
+            <a:r>
+              <a:rPr lang="en-US" dirty="0" smtClean="0"/>
+              <a:t> </a:t>
+            </a:r>
+            <a:r>
+              <a:rPr lang="en-US" dirty="0" err="1" smtClean="0"/>
+              <a:t>dhc</a:t>
+            </a:r>
+            <a:r>
+              <a:rPr lang="en-US" dirty="0" smtClean="0"/>
+              <a:t>               ...  </a:t>
+            </a:r>
+          </a:p>
+          <a:p>
+            <a:r>
+              <a:rPr lang="en-US" dirty="0" smtClean="0"/>
+              <a:t>  kill 1626</a:t>
+            </a:r>
+          </a:p>
+          <a:p>
+            <a:r>
+              <a:rPr lang="en-US" dirty="0" smtClean="0"/>
+              <a:t>  </a:t>
+            </a:r>
+            <a:r>
+              <a:rPr lang="en-US" dirty="0" err="1" smtClean="0"/>
+              <a:t>ps</a:t>
+            </a:r>
+            <a:r>
+              <a:rPr lang="en-US" dirty="0" smtClean="0"/>
+              <a:t> | </a:t>
+            </a:r>
+            <a:r>
+              <a:rPr lang="en-US" dirty="0" err="1" smtClean="0"/>
+              <a:t>grep</a:t>
+            </a:r>
+            <a:r>
+              <a:rPr lang="en-US" dirty="0" smtClean="0"/>
+              <a:t> </a:t>
+            </a:r>
+            <a:r>
+              <a:rPr lang="en-US" dirty="0" err="1" smtClean="0"/>
+              <a:t>dhc</a:t>
+            </a:r>
+            <a:endParaRPr lang="en-US" dirty="0" smtClean="0"/>
+          </a:p>
+          <a:p>
+            <a:r>
+              <a:rPr lang="en-US" dirty="0" smtClean="0"/>
+              <a:t>  </a:t>
+            </a:r>
+            <a:r>
+              <a:rPr lang="en-US" dirty="0" err="1" smtClean="0"/>
+              <a:t>udhcpd</a:t>
+            </a:r>
+            <a:r>
+              <a:rPr lang="en-US" dirty="0" smtClean="0"/>
+              <a:t> /etc/udhcpd.wlan0.conf</a:t>
+            </a:r>
+          </a:p>
+          <a:p>
+            <a:r>
+              <a:rPr lang="en-US" dirty="0" smtClean="0"/>
+              <a:t>  </a:t>
+            </a:r>
+            <a:r>
+              <a:rPr lang="en-US" dirty="0" err="1" smtClean="0"/>
+              <a:t>ps</a:t>
+            </a:r>
+            <a:r>
+              <a:rPr lang="en-US" dirty="0" smtClean="0"/>
+              <a:t> | </a:t>
+            </a:r>
+            <a:r>
+              <a:rPr lang="en-US" dirty="0" err="1" smtClean="0"/>
+              <a:t>grep</a:t>
+            </a:r>
+            <a:r>
+              <a:rPr lang="en-US" dirty="0" smtClean="0"/>
+              <a:t> </a:t>
+            </a:r>
+            <a:r>
+              <a:rPr lang="en-US" dirty="0" err="1" smtClean="0"/>
+              <a:t>dhc</a:t>
+            </a:r>
+            <a:endParaRPr lang="en-US" dirty="0" smtClean="0"/>
+          </a:p>
+          <a:p>
+            <a:r>
+              <a:rPr lang="en-US" dirty="0" smtClean="0"/>
+              <a:t>  history </a:t>
+            </a:r>
             <a:endParaRPr lang="en-US" dirty="0"/>
           </a:p>
         </p:txBody>
@@ -888,10 +1174,10 @@
           <a:bodyPr/>
           <a:lstStyle/>
           <a:p>
-            <a:fld id="{D7A5141B-D021-4CA5-97E1-CDFCBC0E94CE}" type="slidenum">
+            <a:fld id="{2D9CA52D-E199-4166-A4C0-D20E8189811E}" type="slidenum">
               <a:rPr lang="en-US" smtClean="0"/>
               <a:pPr/>
-              <a:t>20</a:t>
+              <a:t>5</a:t>
             </a:fld>
             <a:endParaRPr lang="en-US"/>
           </a:p>
@@ -951,6 +1237,33 @@
           </a:bodyPr>
           <a:lstStyle/>
           <a:p>
+            <a:r>
+              <a:rPr lang="en-US" dirty="0" smtClean="0"/>
+              <a:t>Socket CLIP is the clip which defines I/O for the board</a:t>
+            </a:r>
+            <a:r>
+              <a:rPr lang="en-US" baseline="0" dirty="0" smtClean="0"/>
+              <a:t> </a:t>
+            </a:r>
+          </a:p>
+          <a:p>
+            <a:r>
+              <a:rPr lang="en-US" baseline="0" dirty="0" smtClean="0"/>
+              <a:t>DIO’s, Voltage levels for the DIO such as LVCMOS etc.</a:t>
+            </a:r>
+          </a:p>
+          <a:p>
+            <a:endParaRPr lang="en-US" baseline="0" dirty="0" smtClean="0"/>
+          </a:p>
+          <a:p>
+            <a:r>
+              <a:rPr lang="en-US" baseline="0" dirty="0" err="1" smtClean="0"/>
+              <a:t>Socketed</a:t>
+            </a:r>
+            <a:r>
+              <a:rPr lang="en-US" baseline="0" dirty="0" smtClean="0"/>
+              <a:t> CLIP also has timing constraints file</a:t>
+            </a:r>
             <a:endParaRPr lang="en-US" dirty="0"/>
           </a:p>
         </p:txBody>
@@ -973,7 +1286,7 @@
             <a:fld id="{D7A5141B-D021-4CA5-97E1-CDFCBC0E94CE}" type="slidenum">
               <a:rPr lang="en-US" smtClean="0"/>
               <a:pPr/>
-              <a:t>21</a:t>
+              <a:t>6</a:t>
             </a:fld>
             <a:endParaRPr lang="en-US"/>
           </a:p>
@@ -1033,6 +1346,18 @@
           </a:bodyPr>
           <a:lstStyle/>
           <a:p>
+            <a:r>
+              <a:rPr lang="en-US" dirty="0" smtClean="0"/>
+              <a:t>You can select only the pins you are interested</a:t>
+            </a:r>
+            <a:r>
+              <a:rPr lang="en-US" baseline="0" dirty="0" smtClean="0"/>
+              <a:t> in programming with on LVFPGA </a:t>
+            </a:r>
+            <a:r>
+              <a:rPr lang="en-US" baseline="0" smtClean="0"/>
+              <a:t>Block diagram</a:t>
+            </a:r>
             <a:endParaRPr lang="en-US" dirty="0"/>
           </a:p>
         </p:txBody>
@@ -1055,7 +1380,261 @@
             <a:fld id="{D7A5141B-D021-4CA5-97E1-CDFCBC0E94CE}" type="slidenum">
               <a:rPr lang="en-US" smtClean="0"/>
               <a:pPr/>
-              <a:t>22</a:t>
+              <a:t>11</a:t>
+            </a:fld>
+            <a:endParaRPr lang="en-US"/>
+          </a:p>
+        </p:txBody>
+      </p:sp>
+    </p:spTree>
+  </p:cSld>
+  <p:clrMapOvr>
+    <a:masterClrMapping/>
+  </p:clrMapOvr>
+</p:notes>
+</file>
+
+<file path=ppt/notesSlides/notesSlide7.xml><?xml version="1.0" encoding="utf-8"?>
+<p:notes xmlns:a="http://schemas.openxmlformats.org/drawingml/2006/main" xmlns:r="http://schemas.openxmlformats.org/officeDocument/2006/relationships" xmlns:p="http://schemas.openxmlformats.org/presentationml/2006/main">
+  <p:cSld>
+    <p:spTree>
+      <p:nvGrpSpPr>
+        <p:cNvPr id="1" name=""/>
+        <p:cNvGrpSpPr/>
+        <p:nvPr/>
+      </p:nvGrpSpPr>
+      <p:grpSpPr>
+        <a:xfrm>
+          <a:off x="0" y="0"/>
+          <a:ext cx="0" cy="0"/>
+          <a:chOff x="0" y="0"/>
+          <a:chExt cx="0" cy="0"/>
+        </a:xfrm>
+      </p:grpSpPr>
+      <p:sp>
+        <p:nvSpPr>
+          <p:cNvPr id="2" name="Slide Image Placeholder 1"/>
+          <p:cNvSpPr>
+            <a:spLocks noGrp="1" noRot="1" noChangeAspect="1"/>
+          </p:cNvSpPr>
+          <p:nvPr>
+            <p:ph type="sldImg"/>
+          </p:nvPr>
+        </p:nvSpPr>
+        <p:spPr/>
+      </p:sp>
+      <p:sp>
+        <p:nvSpPr>
+          <p:cNvPr id="3" name="Notes Placeholder 2"/>
+          <p:cNvSpPr>
+            <a:spLocks noGrp="1"/>
+          </p:cNvSpPr>
+          <p:nvPr>
+            <p:ph type="body" idx="1"/>
+          </p:nvPr>
+        </p:nvSpPr>
+        <p:spPr/>
+        <p:txBody>
+          <a:bodyPr>
+            <a:normAutofit/>
+          </a:bodyPr>
+          <a:lstStyle/>
+          <a:p>
+            <a:r>
+              <a:rPr lang="en-US" dirty="0" smtClean="0"/>
+              <a:t>Right Click on Socket CLIP &gt;&gt;</a:t>
+            </a:r>
+            <a:r>
+              <a:rPr lang="en-US" baseline="0" dirty="0" smtClean="0"/>
+              <a:t> Properties &gt;&gt; Clock Selections</a:t>
+            </a:r>
+            <a:endParaRPr lang="en-US" dirty="0"/>
+          </a:p>
+        </p:txBody>
+      </p:sp>
+      <p:sp>
+        <p:nvSpPr>
+          <p:cNvPr id="4" name="Slide Number Placeholder 3"/>
+          <p:cNvSpPr>
+            <a:spLocks noGrp="1"/>
+          </p:cNvSpPr>
+          <p:nvPr>
+            <p:ph type="sldNum" sz="quarter" idx="10"/>
+          </p:nvPr>
+        </p:nvSpPr>
+        <p:spPr/>
+        <p:txBody>
+          <a:bodyPr/>
+          <a:lstStyle/>
+          <a:p>
+            <a:fld id="{D7A5141B-D021-4CA5-97E1-CDFCBC0E94CE}" type="slidenum">
+              <a:rPr lang="en-US" smtClean="0"/>
+              <a:pPr/>
+              <a:t>20</a:t>
+            </a:fld>
+            <a:endParaRPr lang="en-US"/>
+          </a:p>
+        </p:txBody>
+      </p:sp>
+    </p:spTree>
+  </p:cSld>
+  <p:clrMapOvr>
+    <a:masterClrMapping/>
+  </p:clrMapOvr>
+</p:notes>
+</file>
+
+<file path=ppt/notesSlides/notesSlide8.xml><?xml version="1.0" encoding="utf-8"?>
+<p:notes xmlns:a="http://schemas.openxmlformats.org/drawingml/2006/main" xmlns:r="http://schemas.openxmlformats.org/officeDocument/2006/relationships" xmlns:p="http://schemas.openxmlformats.org/presentationml/2006/main">
+  <p:cSld>
+    <p:spTree>
+      <p:nvGrpSpPr>
+        <p:cNvPr id="1" name=""/>
+        <p:cNvGrpSpPr/>
+        <p:nvPr/>
+      </p:nvGrpSpPr>
+      <p:grpSpPr>
+        <a:xfrm>
+          <a:off x="0" y="0"/>
+          <a:ext cx="0" cy="0"/>
+          <a:chOff x="0" y="0"/>
+          <a:chExt cx="0" cy="0"/>
+        </a:xfrm>
+      </p:grpSpPr>
+      <p:sp>
+        <p:nvSpPr>
+          <p:cNvPr id="2" name="Slide Image Placeholder 1"/>
+          <p:cNvSpPr>
+            <a:spLocks noGrp="1" noRot="1" noChangeAspect="1"/>
+          </p:cNvSpPr>
+          <p:nvPr>
+            <p:ph type="sldImg"/>
+          </p:nvPr>
+        </p:nvSpPr>
+        <p:spPr/>
+      </p:sp>
+      <p:sp>
+        <p:nvSpPr>
+          <p:cNvPr id="3" name="Notes Placeholder 2"/>
+          <p:cNvSpPr>
+            <a:spLocks noGrp="1"/>
+          </p:cNvSpPr>
+          <p:nvPr>
+            <p:ph type="body" idx="1"/>
+          </p:nvPr>
+        </p:nvSpPr>
+        <p:spPr/>
+        <p:txBody>
+          <a:bodyPr>
+            <a:normAutofit/>
+          </a:bodyPr>
+          <a:lstStyle/>
+          <a:p>
+            <a:endParaRPr lang="en-US" dirty="0"/>
+          </a:p>
+        </p:txBody>
+      </p:sp>
+      <p:sp>
+        <p:nvSpPr>
+          <p:cNvPr id="4" name="Slide Number Placeholder 3"/>
+          <p:cNvSpPr>
+            <a:spLocks noGrp="1"/>
+          </p:cNvSpPr>
+          <p:nvPr>
+            <p:ph type="sldNum" sz="quarter" idx="10"/>
+          </p:nvPr>
+        </p:nvSpPr>
+        <p:spPr/>
+        <p:txBody>
+          <a:bodyPr/>
+          <a:lstStyle/>
+          <a:p>
+            <a:fld id="{D7A5141B-D021-4CA5-97E1-CDFCBC0E94CE}" type="slidenum">
+              <a:rPr lang="en-US" smtClean="0"/>
+              <a:pPr/>
+              <a:t>24</a:t>
+            </a:fld>
+            <a:endParaRPr lang="en-US"/>
+          </a:p>
+        </p:txBody>
+      </p:sp>
+    </p:spTree>
+  </p:cSld>
+  <p:clrMapOvr>
+    <a:masterClrMapping/>
+  </p:clrMapOvr>
+</p:notes>
+</file>
+
+<file path=ppt/notesSlides/notesSlide9.xml><?xml version="1.0" encoding="utf-8"?>
+<p:notes xmlns:a="http://schemas.openxmlformats.org/drawingml/2006/main" xmlns:r="http://schemas.openxmlformats.org/officeDocument/2006/relationships" xmlns:p="http://schemas.openxmlformats.org/presentationml/2006/main">
+  <p:cSld>
+    <p:spTree>
+      <p:nvGrpSpPr>
+        <p:cNvPr id="1" name=""/>
+        <p:cNvGrpSpPr/>
+        <p:nvPr/>
+      </p:nvGrpSpPr>
+      <p:grpSpPr>
+        <a:xfrm>
+          <a:off x="0" y="0"/>
+          <a:ext cx="0" cy="0"/>
+          <a:chOff x="0" y="0"/>
+          <a:chExt cx="0" cy="0"/>
+        </a:xfrm>
+      </p:grpSpPr>
+      <p:sp>
+        <p:nvSpPr>
+          <p:cNvPr id="2" name="Slide Image Placeholder 1"/>
+          <p:cNvSpPr>
+            <a:spLocks noGrp="1" noRot="1" noChangeAspect="1"/>
+          </p:cNvSpPr>
+          <p:nvPr>
+            <p:ph type="sldImg"/>
+          </p:nvPr>
+        </p:nvSpPr>
+        <p:spPr/>
+      </p:sp>
+      <p:sp>
+        <p:nvSpPr>
+          <p:cNvPr id="3" name="Notes Placeholder 2"/>
+          <p:cNvSpPr>
+            <a:spLocks noGrp="1"/>
+          </p:cNvSpPr>
+          <p:nvPr>
+            <p:ph type="body" idx="1"/>
+          </p:nvPr>
+        </p:nvSpPr>
+        <p:spPr/>
+        <p:txBody>
+          <a:bodyPr>
+            <a:normAutofit/>
+          </a:bodyPr>
+          <a:lstStyle/>
+          <a:p>
+            <a:endParaRPr lang="en-US" dirty="0"/>
+          </a:p>
+        </p:txBody>
+      </p:sp>
+      <p:sp>
+        <p:nvSpPr>
+          <p:cNvPr id="4" name="Slide Number Placeholder 3"/>
+          <p:cNvSpPr>
+            <a:spLocks noGrp="1"/>
+          </p:cNvSpPr>
+          <p:nvPr>
+            <p:ph type="sldNum" sz="quarter" idx="10"/>
+          </p:nvPr>
+        </p:nvSpPr>
+        <p:spPr/>
+        <p:txBody>
+          <a:bodyPr/>
+          <a:lstStyle/>
+          <a:p>
+            <a:fld id="{D7A5141B-D021-4CA5-97E1-CDFCBC0E94CE}" type="slidenum">
+              <a:rPr lang="en-US" smtClean="0"/>
+              <a:pPr/>
+              <a:t>25</a:t>
             </a:fld>
             <a:endParaRPr lang="en-US"/>
           </a:p>
@@ -1282,7 +1861,7 @@
               <a:pPr>
                 <a:defRPr/>
               </a:pPr>
-              <a:t>6/8/2015</a:t>
+              <a:t>6/22/2015</a:t>
             </a:fld>
             <a:endParaRPr lang="en-US"/>
           </a:p>
@@ -1478,7 +2057,7 @@
               <a:pPr>
                 <a:defRPr/>
               </a:pPr>
-              <a:t>6/8/2015</a:t>
+              <a:t>6/22/2015</a:t>
             </a:fld>
             <a:endParaRPr lang="en-US"/>
           </a:p>
@@ -1618,7 +2197,7 @@
               <a:pPr>
                 <a:defRPr/>
               </a:pPr>
-              <a:t>6/8/2015</a:t>
+              <a:t>6/22/2015</a:t>
             </a:fld>
             <a:endParaRPr lang="en-US"/>
           </a:p>
@@ -1735,7 +2314,7 @@
               <a:pPr>
                 <a:defRPr/>
               </a:pPr>
-              <a:t>6/8/2015</a:t>
+              <a:t>6/22/2015</a:t>
             </a:fld>
             <a:endParaRPr lang="en-US"/>
           </a:p>
@@ -1851,7 +2430,7 @@
     </p:spTree>
     <p:extLst>
       <p:ext uri="{BB962C8B-B14F-4D97-AF65-F5344CB8AC3E}">
-        <p14:creationId xmlns:p14="http://schemas.microsoft.com/office/powerpoint/2010/main" xmlns="" val="224824785"/>
+        <p14:creationId xmlns="" xmlns:p14="http://schemas.microsoft.com/office/powerpoint/2010/main" val="224824785"/>
       </p:ext>
     </p:extLst>
   </p:cSld>
@@ -1895,7 +2474,7 @@
     </p:spTree>
     <p:extLst>
       <p:ext uri="{BB962C8B-B14F-4D97-AF65-F5344CB8AC3E}">
-        <p14:creationId xmlns:p14="http://schemas.microsoft.com/office/powerpoint/2010/main" xmlns="" val="3785666462"/>
+        <p14:creationId xmlns="" xmlns:p14="http://schemas.microsoft.com/office/powerpoint/2010/main" val="3785666462"/>
       </p:ext>
     </p:extLst>
   </p:cSld>
@@ -2100,7 +2679,7 @@
               <a:pPr>
                 <a:defRPr/>
               </a:pPr>
-              <a:t>6/8/2015</a:t>
+              <a:t>6/22/2015</a:t>
             </a:fld>
             <a:endParaRPr lang="en-US"/>
           </a:p>
@@ -2716,6 +3295,436 @@
         </p:nvSpPr>
         <p:spPr/>
         <p:txBody>
+          <a:bodyPr/>
+          <a:lstStyle/>
+          <a:p>
+            <a:r>
+              <a:rPr lang="en-US" dirty="0" smtClean="0"/>
+              <a:t>Step 2: Pin Configuration</a:t>
+            </a:r>
+            <a:endParaRPr lang="en-US" dirty="0"/>
+          </a:p>
+        </p:txBody>
+      </p:sp>
+      <p:pic>
+        <p:nvPicPr>
+          <p:cNvPr id="3074" name="Picture 2"/>
+          <p:cNvPicPr>
+            <a:picLocks noChangeAspect="1" noChangeArrowheads="1"/>
+          </p:cNvPicPr>
+          <p:nvPr/>
+        </p:nvPicPr>
+        <p:blipFill>
+          <a:blip r:embed="rId2" cstate="print"/>
+          <a:srcRect/>
+          <a:stretch>
+            <a:fillRect/>
+          </a:stretch>
+        </p:blipFill>
+        <p:spPr bwMode="auto">
+          <a:xfrm>
+            <a:off x="152400" y="2057400"/>
+            <a:ext cx="6311900" cy="4248150"/>
+          </a:xfrm>
+          <a:prstGeom prst="rect">
+            <a:avLst/>
+          </a:prstGeom>
+          <a:noFill/>
+          <a:ln w="9525">
+            <a:noFill/>
+            <a:miter lim="800000"/>
+            <a:headEnd/>
+            <a:tailEnd/>
+          </a:ln>
+        </p:spPr>
+      </p:pic>
+    </p:spTree>
+  </p:cSld>
+  <p:clrMapOvr>
+    <a:masterClrMapping/>
+  </p:clrMapOvr>
+</p:sld>
+</file>
+
+<file path=ppt/slides/slide11.xml><?xml version="1.0" encoding="utf-8"?>
+<p:sld xmlns:a="http://schemas.openxmlformats.org/drawingml/2006/main" xmlns:r="http://schemas.openxmlformats.org/officeDocument/2006/relationships" xmlns:p="http://schemas.openxmlformats.org/presentationml/2006/main" show="0">
+  <p:cSld>
+    <p:spTree>
+      <p:nvGrpSpPr>
+        <p:cNvPr id="1" name=""/>
+        <p:cNvGrpSpPr/>
+        <p:nvPr/>
+      </p:nvGrpSpPr>
+      <p:grpSpPr>
+        <a:xfrm>
+          <a:off x="0" y="0"/>
+          <a:ext cx="0" cy="0"/>
+          <a:chOff x="0" y="0"/>
+          <a:chExt cx="0" cy="0"/>
+        </a:xfrm>
+      </p:grpSpPr>
+      <p:sp>
+        <p:nvSpPr>
+          <p:cNvPr id="2" name="Title 1"/>
+          <p:cNvSpPr>
+            <a:spLocks noGrp="1"/>
+          </p:cNvSpPr>
+          <p:nvPr>
+            <p:ph type="title"/>
+          </p:nvPr>
+        </p:nvSpPr>
+        <p:spPr/>
+        <p:txBody>
+          <a:bodyPr/>
+          <a:lstStyle/>
+          <a:p>
+            <a:r>
+              <a:rPr lang="en-US" dirty="0" smtClean="0"/>
+              <a:t>Step 3: Select Pins for LVFPGA</a:t>
+            </a:r>
+            <a:endParaRPr lang="en-US" dirty="0"/>
+          </a:p>
+        </p:txBody>
+      </p:sp>
+      <p:pic>
+        <p:nvPicPr>
+          <p:cNvPr id="4098" name="Picture 2"/>
+          <p:cNvPicPr>
+            <a:picLocks noChangeAspect="1" noChangeArrowheads="1"/>
+          </p:cNvPicPr>
+          <p:nvPr/>
+        </p:nvPicPr>
+        <p:blipFill>
+          <a:blip r:embed="rId3" cstate="print"/>
+          <a:srcRect/>
+          <a:stretch>
+            <a:fillRect/>
+          </a:stretch>
+        </p:blipFill>
+        <p:spPr bwMode="auto">
+          <a:xfrm>
+            <a:off x="1143000" y="1828800"/>
+            <a:ext cx="6311900" cy="4248150"/>
+          </a:xfrm>
+          <a:prstGeom prst="rect">
+            <a:avLst/>
+          </a:prstGeom>
+          <a:noFill/>
+          <a:ln w="9525">
+            <a:noFill/>
+            <a:miter lim="800000"/>
+            <a:headEnd/>
+            <a:tailEnd/>
+          </a:ln>
+        </p:spPr>
+      </p:pic>
+    </p:spTree>
+  </p:cSld>
+  <p:clrMapOvr>
+    <a:masterClrMapping/>
+  </p:clrMapOvr>
+  <p:transition/>
+</p:sld>
+</file>
+
+<file path=ppt/slides/slide12.xml><?xml version="1.0" encoding="utf-8"?>
+<p:sld xmlns:a="http://schemas.openxmlformats.org/drawingml/2006/main" xmlns:r="http://schemas.openxmlformats.org/officeDocument/2006/relationships" xmlns:p="http://schemas.openxmlformats.org/presentationml/2006/main">
+  <p:cSld>
+    <p:spTree>
+      <p:nvGrpSpPr>
+        <p:cNvPr id="1" name=""/>
+        <p:cNvGrpSpPr/>
+        <p:nvPr/>
+      </p:nvGrpSpPr>
+      <p:grpSpPr>
+        <a:xfrm>
+          <a:off x="0" y="0"/>
+          <a:ext cx="0" cy="0"/>
+          <a:chOff x="0" y="0"/>
+          <a:chExt cx="0" cy="0"/>
+        </a:xfrm>
+      </p:grpSpPr>
+      <p:sp>
+        <p:nvSpPr>
+          <p:cNvPr id="2" name="Title 1"/>
+          <p:cNvSpPr>
+            <a:spLocks noGrp="1"/>
+          </p:cNvSpPr>
+          <p:nvPr>
+            <p:ph type="title"/>
+          </p:nvPr>
+        </p:nvSpPr>
+        <p:spPr/>
+        <p:txBody>
+          <a:bodyPr/>
+          <a:lstStyle/>
+          <a:p>
+            <a:r>
+              <a:rPr lang="en-US" dirty="0" smtClean="0"/>
+              <a:t>Step 3: Clocks</a:t>
+            </a:r>
+            <a:endParaRPr lang="en-US" dirty="0"/>
+          </a:p>
+        </p:txBody>
+      </p:sp>
+      <p:pic>
+        <p:nvPicPr>
+          <p:cNvPr id="5122" name="Picture 2"/>
+          <p:cNvPicPr>
+            <a:picLocks noChangeAspect="1" noChangeArrowheads="1"/>
+          </p:cNvPicPr>
+          <p:nvPr/>
+        </p:nvPicPr>
+        <p:blipFill>
+          <a:blip r:embed="rId2" cstate="print"/>
+          <a:srcRect/>
+          <a:stretch>
+            <a:fillRect/>
+          </a:stretch>
+        </p:blipFill>
+        <p:spPr bwMode="auto">
+          <a:xfrm>
+            <a:off x="457200" y="1828800"/>
+            <a:ext cx="6311900" cy="4248150"/>
+          </a:xfrm>
+          <a:prstGeom prst="rect">
+            <a:avLst/>
+          </a:prstGeom>
+          <a:noFill/>
+          <a:ln w="9525">
+            <a:noFill/>
+            <a:miter lim="800000"/>
+            <a:headEnd/>
+            <a:tailEnd/>
+          </a:ln>
+        </p:spPr>
+      </p:pic>
+    </p:spTree>
+  </p:cSld>
+  <p:clrMapOvr>
+    <a:masterClrMapping/>
+  </p:clrMapOvr>
+</p:sld>
+</file>
+
+<file path=ppt/slides/slide13.xml><?xml version="1.0" encoding="utf-8"?>
+<p:sld xmlns:a="http://schemas.openxmlformats.org/drawingml/2006/main" xmlns:r="http://schemas.openxmlformats.org/officeDocument/2006/relationships" xmlns:p="http://schemas.openxmlformats.org/presentationml/2006/main">
+  <p:cSld>
+    <p:spTree>
+      <p:nvGrpSpPr>
+        <p:cNvPr id="1" name=""/>
+        <p:cNvGrpSpPr/>
+        <p:nvPr/>
+      </p:nvGrpSpPr>
+      <p:grpSpPr>
+        <a:xfrm>
+          <a:off x="0" y="0"/>
+          <a:ext cx="0" cy="0"/>
+          <a:chOff x="0" y="0"/>
+          <a:chExt cx="0" cy="0"/>
+        </a:xfrm>
+      </p:grpSpPr>
+      <p:sp>
+        <p:nvSpPr>
+          <p:cNvPr id="2" name="Title 1"/>
+          <p:cNvSpPr>
+            <a:spLocks noGrp="1"/>
+          </p:cNvSpPr>
+          <p:nvPr>
+            <p:ph type="title"/>
+          </p:nvPr>
+        </p:nvSpPr>
+        <p:spPr/>
+        <p:txBody>
+          <a:bodyPr/>
+          <a:lstStyle/>
+          <a:p>
+            <a:r>
+              <a:rPr lang="en-US" dirty="0" smtClean="0"/>
+              <a:t>CLIP Output Directory</a:t>
+            </a:r>
+            <a:endParaRPr lang="en-US" dirty="0"/>
+          </a:p>
+        </p:txBody>
+      </p:sp>
+      <p:pic>
+        <p:nvPicPr>
+          <p:cNvPr id="6146" name="Picture 2"/>
+          <p:cNvPicPr>
+            <a:picLocks noChangeAspect="1" noChangeArrowheads="1"/>
+          </p:cNvPicPr>
+          <p:nvPr/>
+        </p:nvPicPr>
+        <p:blipFill>
+          <a:blip r:embed="rId2" cstate="print"/>
+          <a:srcRect/>
+          <a:stretch>
+            <a:fillRect/>
+          </a:stretch>
+        </p:blipFill>
+        <p:spPr bwMode="auto">
+          <a:xfrm>
+            <a:off x="914400" y="1752600"/>
+            <a:ext cx="6311900" cy="4248150"/>
+          </a:xfrm>
+          <a:prstGeom prst="rect">
+            <a:avLst/>
+          </a:prstGeom>
+          <a:noFill/>
+          <a:ln w="9525">
+            <a:noFill/>
+            <a:miter lim="800000"/>
+            <a:headEnd/>
+            <a:tailEnd/>
+          </a:ln>
+        </p:spPr>
+      </p:pic>
+      <p:sp>
+        <p:nvSpPr>
+          <p:cNvPr id="5" name="Oval 4"/>
+          <p:cNvSpPr/>
+          <p:nvPr/>
+        </p:nvSpPr>
+        <p:spPr>
+          <a:xfrm>
+            <a:off x="762000" y="3276600"/>
+            <a:ext cx="6858000" cy="685800"/>
+          </a:xfrm>
+          <a:prstGeom prst="ellipse">
+            <a:avLst/>
+          </a:prstGeom>
+          <a:noFill/>
+          <a:ln w="53975">
+            <a:solidFill>
+              <a:srgbClr val="FF0000"/>
+            </a:solidFill>
+          </a:ln>
+        </p:spPr>
+        <p:style>
+          <a:lnRef idx="2">
+            <a:schemeClr val="accent1">
+              <a:shade val="50000"/>
+            </a:schemeClr>
+          </a:lnRef>
+          <a:fillRef idx="1">
+            <a:schemeClr val="accent1"/>
+          </a:fillRef>
+          <a:effectRef idx="0">
+            <a:schemeClr val="accent1"/>
+          </a:effectRef>
+          <a:fontRef idx="minor">
+            <a:schemeClr val="lt1"/>
+          </a:fontRef>
+        </p:style>
+        <p:txBody>
+          <a:bodyPr rtlCol="0" anchor="ctr"/>
+          <a:lstStyle/>
+          <a:p>
+            <a:pPr algn="ctr"/>
+            <a:endParaRPr lang="en-US"/>
+          </a:p>
+        </p:txBody>
+      </p:sp>
+      <p:sp>
+        <p:nvSpPr>
+          <p:cNvPr id="8" name="TextBox 7"/>
+          <p:cNvSpPr txBox="1"/>
+          <p:nvPr/>
+        </p:nvSpPr>
+        <p:spPr>
+          <a:xfrm>
+            <a:off x="7315200" y="2057400"/>
+            <a:ext cx="1005403" cy="369332"/>
+          </a:xfrm>
+          <a:prstGeom prst="rect">
+            <a:avLst/>
+          </a:prstGeom>
+          <a:noFill/>
+        </p:spPr>
+        <p:txBody>
+          <a:bodyPr wrap="none" rtlCol="0">
+            <a:spAutoFit/>
+          </a:bodyPr>
+          <a:lstStyle/>
+          <a:p>
+            <a:r>
+              <a:rPr lang="en-US" dirty="0" smtClean="0"/>
+              <a:t>Clip Files</a:t>
+            </a:r>
+            <a:endParaRPr lang="en-US" dirty="0"/>
+          </a:p>
+        </p:txBody>
+      </p:sp>
+      <p:cxnSp>
+        <p:nvCxnSpPr>
+          <p:cNvPr id="10" name="Straight Arrow Connector 9"/>
+          <p:cNvCxnSpPr/>
+          <p:nvPr/>
+        </p:nvCxnSpPr>
+        <p:spPr>
+          <a:xfrm flipV="1">
+            <a:off x="7543800" y="2514600"/>
+            <a:ext cx="152400" cy="914400"/>
+          </a:xfrm>
+          <a:prstGeom prst="straightConnector1">
+            <a:avLst/>
+          </a:prstGeom>
+          <a:ln>
+            <a:tailEnd type="arrow"/>
+          </a:ln>
+        </p:spPr>
+        <p:style>
+          <a:lnRef idx="1">
+            <a:schemeClr val="accent1"/>
+          </a:lnRef>
+          <a:fillRef idx="0">
+            <a:schemeClr val="accent1"/>
+          </a:fillRef>
+          <a:effectRef idx="0">
+            <a:schemeClr val="accent1"/>
+          </a:effectRef>
+          <a:fontRef idx="minor">
+            <a:schemeClr val="tx1"/>
+          </a:fontRef>
+        </p:style>
+      </p:cxnSp>
+    </p:spTree>
+  </p:cSld>
+  <p:clrMapOvr>
+    <a:masterClrMapping/>
+  </p:clrMapOvr>
+</p:sld>
+</file>
+
+<file path=ppt/slides/slide14.xml><?xml version="1.0" encoding="utf-8"?>
+<p:sld xmlns:a="http://schemas.openxmlformats.org/drawingml/2006/main" xmlns:r="http://schemas.openxmlformats.org/officeDocument/2006/relationships" xmlns:p="http://schemas.openxmlformats.org/presentationml/2006/main">
+  <p:cSld>
+    <p:spTree>
+      <p:nvGrpSpPr>
+        <p:cNvPr id="1" name=""/>
+        <p:cNvGrpSpPr/>
+        <p:nvPr/>
+      </p:nvGrpSpPr>
+      <p:grpSpPr>
+        <a:xfrm>
+          <a:off x="0" y="0"/>
+          <a:ext cx="0" cy="0"/>
+          <a:chOff x="0" y="0"/>
+          <a:chExt cx="0" cy="0"/>
+        </a:xfrm>
+      </p:grpSpPr>
+      <p:sp>
+        <p:nvSpPr>
+          <p:cNvPr id="2" name="Title 1"/>
+          <p:cNvSpPr>
+            <a:spLocks noGrp="1"/>
+          </p:cNvSpPr>
+          <p:nvPr>
+            <p:ph type="title"/>
+          </p:nvPr>
+        </p:nvSpPr>
+        <p:spPr/>
+        <p:txBody>
           <a:bodyPr>
             <a:normAutofit/>
           </a:bodyPr>
@@ -2829,7 +3838,7 @@
 </p:sld>
 </file>
 
-<file path=ppt/slides/slide11.xml><?xml version="1.0" encoding="utf-8"?>
+<file path=ppt/slides/slide15.xml><?xml version="1.0" encoding="utf-8"?>
 <p:sld xmlns:a="http://schemas.openxmlformats.org/drawingml/2006/main" xmlns:r="http://schemas.openxmlformats.org/officeDocument/2006/relationships" xmlns:p="http://schemas.openxmlformats.org/presentationml/2006/main" show="0">
   <p:cSld>
     <p:spTree>
@@ -2910,7 +3919,7 @@
 </p:sld>
 </file>
 
-<file path=ppt/slides/slide12.xml><?xml version="1.0" encoding="utf-8"?>
+<file path=ppt/slides/slide16.xml><?xml version="1.0" encoding="utf-8"?>
 <p:sld xmlns:a="http://schemas.openxmlformats.org/drawingml/2006/main" xmlns:r="http://schemas.openxmlformats.org/officeDocument/2006/relationships" xmlns:p="http://schemas.openxmlformats.org/presentationml/2006/main">
   <p:cSld>
     <p:spTree>
@@ -3062,7 +4071,7 @@
 </p:sld>
 </file>
 
-<file path=ppt/slides/slide13.xml><?xml version="1.0" encoding="utf-8"?>
+<file path=ppt/slides/slide17.xml><?xml version="1.0" encoding="utf-8"?>
 <p:sld xmlns:a="http://schemas.openxmlformats.org/drawingml/2006/main" xmlns:r="http://schemas.openxmlformats.org/officeDocument/2006/relationships" xmlns:p="http://schemas.openxmlformats.org/presentationml/2006/main">
   <p:cSld>
     <p:spTree>
@@ -3173,7 +4182,7 @@
 </p:sld>
 </file>
 
-<file path=ppt/slides/slide14.xml><?xml version="1.0" encoding="utf-8"?>
+<file path=ppt/slides/slide18.xml><?xml version="1.0" encoding="utf-8"?>
 <p:sld xmlns:a="http://schemas.openxmlformats.org/drawingml/2006/main" xmlns:r="http://schemas.openxmlformats.org/officeDocument/2006/relationships" xmlns:p="http://schemas.openxmlformats.org/presentationml/2006/main">
   <p:cSld>
     <p:spTree>
@@ -3226,7 +4235,7 @@
 </p:sld>
 </file>
 
-<file path=ppt/slides/slide15.xml><?xml version="1.0" encoding="utf-8"?>
+<file path=ppt/slides/slide19.xml><?xml version="1.0" encoding="utf-8"?>
 <p:sld xmlns:a="http://schemas.openxmlformats.org/drawingml/2006/main" xmlns:r="http://schemas.openxmlformats.org/officeDocument/2006/relationships" xmlns:p="http://schemas.openxmlformats.org/presentationml/2006/main">
   <p:cSld>
     <p:spTree>
@@ -3297,7 +4306,149 @@
 </p:sld>
 </file>
 
-<file path=ppt/slides/slide16.xml><?xml version="1.0" encoding="utf-8"?>
+<file path=ppt/slides/slide2.xml><?xml version="1.0" encoding="utf-8"?>
+<p:sld xmlns:a="http://schemas.openxmlformats.org/drawingml/2006/main" xmlns:r="http://schemas.openxmlformats.org/officeDocument/2006/relationships" xmlns:p="http://schemas.openxmlformats.org/presentationml/2006/main">
+  <p:cSld>
+    <p:spTree>
+      <p:nvGrpSpPr>
+        <p:cNvPr id="1" name=""/>
+        <p:cNvGrpSpPr/>
+        <p:nvPr/>
+      </p:nvGrpSpPr>
+      <p:grpSpPr>
+        <a:xfrm>
+          <a:off x="0" y="0"/>
+          <a:ext cx="0" cy="0"/>
+          <a:chOff x="0" y="0"/>
+          <a:chExt cx="0" cy="0"/>
+        </a:xfrm>
+      </p:grpSpPr>
+      <p:sp>
+        <p:nvSpPr>
+          <p:cNvPr id="2" name="Title 1"/>
+          <p:cNvSpPr>
+            <a:spLocks noGrp="1"/>
+          </p:cNvSpPr>
+          <p:nvPr>
+            <p:ph type="title"/>
+          </p:nvPr>
+        </p:nvSpPr>
+        <p:spPr/>
+        <p:txBody>
+          <a:bodyPr/>
+          <a:lstStyle/>
+          <a:p>
+            <a:r>
+              <a:rPr lang="en-US" dirty="0" smtClean="0"/>
+              <a:t>Connecting to SOM</a:t>
+            </a:r>
+            <a:endParaRPr lang="en-US" dirty="0"/>
+          </a:p>
+        </p:txBody>
+      </p:sp>
+      <p:sp>
+        <p:nvSpPr>
+          <p:cNvPr id="3" name="Content Placeholder 2"/>
+          <p:cNvSpPr>
+            <a:spLocks noGrp="1"/>
+          </p:cNvSpPr>
+          <p:nvPr>
+            <p:ph idx="1"/>
+          </p:nvPr>
+        </p:nvSpPr>
+        <p:spPr/>
+        <p:txBody>
+          <a:bodyPr/>
+          <a:lstStyle/>
+          <a:p>
+            <a:r>
+              <a:rPr lang="en-US" dirty="0" smtClean="0"/>
+              <a:t>Connect SOM directly using Ethernet Cable or USB to laptop/computer</a:t>
+            </a:r>
+          </a:p>
+          <a:p>
+            <a:r>
+              <a:rPr lang="en-US" dirty="0" smtClean="0"/>
+              <a:t>Detect the name of the Module in MAX</a:t>
+            </a:r>
+            <a:endParaRPr lang="en-US" dirty="0"/>
+          </a:p>
+        </p:txBody>
+      </p:sp>
+      <p:pic>
+        <p:nvPicPr>
+          <p:cNvPr id="1027" name="Picture 3"/>
+          <p:cNvPicPr>
+            <a:picLocks noChangeAspect="1" noChangeArrowheads="1"/>
+          </p:cNvPicPr>
+          <p:nvPr/>
+        </p:nvPicPr>
+        <p:blipFill>
+          <a:blip r:embed="rId3"/>
+          <a:srcRect b="17134"/>
+          <a:stretch>
+            <a:fillRect/>
+          </a:stretch>
+        </p:blipFill>
+        <p:spPr bwMode="auto">
+          <a:xfrm>
+            <a:off x="300942" y="3046794"/>
+            <a:ext cx="3228975" cy="3330856"/>
+          </a:xfrm>
+          <a:prstGeom prst="rect">
+            <a:avLst/>
+          </a:prstGeom>
+          <a:noFill/>
+          <a:ln w="9525">
+            <a:noFill/>
+            <a:miter lim="800000"/>
+            <a:headEnd/>
+            <a:tailEnd/>
+          </a:ln>
+        </p:spPr>
+      </p:pic>
+      <p:cxnSp>
+        <p:nvCxnSpPr>
+          <p:cNvPr id="6" name="Straight Arrow Connector 5"/>
+          <p:cNvCxnSpPr/>
+          <p:nvPr/>
+        </p:nvCxnSpPr>
+        <p:spPr>
+          <a:xfrm flipH="1">
+            <a:off x="2870521" y="4572000"/>
+            <a:ext cx="3078866" cy="1585732"/>
+          </a:xfrm>
+          <a:prstGeom prst="straightConnector1">
+            <a:avLst/>
+          </a:prstGeom>
+          <a:ln>
+            <a:tailEnd type="arrow"/>
+          </a:ln>
+        </p:spPr>
+        <p:style>
+          <a:lnRef idx="2">
+            <a:schemeClr val="accent1"/>
+          </a:lnRef>
+          <a:fillRef idx="0">
+            <a:schemeClr val="accent1"/>
+          </a:fillRef>
+          <a:effectRef idx="1">
+            <a:schemeClr val="accent1"/>
+          </a:effectRef>
+          <a:fontRef idx="minor">
+            <a:schemeClr val="tx1"/>
+          </a:fontRef>
+        </p:style>
+      </p:cxnSp>
+    </p:spTree>
+  </p:cSld>
+  <p:clrMapOvr>
+    <a:masterClrMapping/>
+  </p:clrMapOvr>
+</p:sld>
+</file>
+
+<file path=ppt/slides/slide20.xml><?xml version="1.0" encoding="utf-8"?>
 <p:sld xmlns:a="http://schemas.openxmlformats.org/drawingml/2006/main" xmlns:r="http://schemas.openxmlformats.org/officeDocument/2006/relationships" xmlns:p="http://schemas.openxmlformats.org/presentationml/2006/main">
   <p:cSld>
     <p:spTree>
@@ -3432,7 +4583,7 @@
 </p:sld>
 </file>
 
-<file path=ppt/slides/slide17.xml><?xml version="1.0" encoding="utf-8"?>
+<file path=ppt/slides/slide21.xml><?xml version="1.0" encoding="utf-8"?>
 <p:sld xmlns:a="http://schemas.openxmlformats.org/drawingml/2006/main" xmlns:r="http://schemas.openxmlformats.org/officeDocument/2006/relationships" xmlns:p="http://schemas.openxmlformats.org/presentationml/2006/main">
   <p:cSld>
     <p:spTree>
@@ -3514,7 +4665,7 @@
 </p:sld>
 </file>
 
-<file path=ppt/slides/slide18.xml><?xml version="1.0" encoding="utf-8"?>
+<file path=ppt/slides/slide22.xml><?xml version="1.0" encoding="utf-8"?>
 <p:sld xmlns:a="http://schemas.openxmlformats.org/drawingml/2006/main" xmlns:r="http://schemas.openxmlformats.org/officeDocument/2006/relationships" xmlns:p="http://schemas.openxmlformats.org/presentationml/2006/main">
   <p:cSld>
     <p:spTree>
@@ -3544,7 +4695,7 @@
         <p:spPr/>
         <p:txBody>
           <a:bodyPr>
-            <a:normAutofit fontScale="90000"/>
+            <a:normAutofit/>
           </a:bodyPr>
           <a:lstStyle/>
           <a:p>
@@ -3632,7 +4783,7 @@
 </p:sld>
 </file>
 
-<file path=ppt/slides/slide19.xml><?xml version="1.0" encoding="utf-8"?>
+<file path=ppt/slides/slide23.xml><?xml version="1.0" encoding="utf-8"?>
 <p:sld xmlns:a="http://schemas.openxmlformats.org/drawingml/2006/main" xmlns:r="http://schemas.openxmlformats.org/officeDocument/2006/relationships" xmlns:p="http://schemas.openxmlformats.org/presentationml/2006/main">
   <p:cSld>
     <p:spTree>
@@ -3799,123 +4950,7 @@
 </p:sld>
 </file>
 
-<file path=ppt/slides/slide2.xml><?xml version="1.0" encoding="utf-8"?>
-<p:sld xmlns:a="http://schemas.openxmlformats.org/drawingml/2006/main" xmlns:r="http://schemas.openxmlformats.org/officeDocument/2006/relationships" xmlns:p="http://schemas.openxmlformats.org/presentationml/2006/main">
-  <p:cSld>
-    <p:spTree>
-      <p:nvGrpSpPr>
-        <p:cNvPr id="1" name=""/>
-        <p:cNvGrpSpPr/>
-        <p:nvPr/>
-      </p:nvGrpSpPr>
-      <p:grpSpPr>
-        <a:xfrm>
-          <a:off x="0" y="0"/>
-          <a:ext cx="0" cy="0"/>
-          <a:chOff x="0" y="0"/>
-          <a:chExt cx="0" cy="0"/>
-        </a:xfrm>
-      </p:grpSpPr>
-      <p:sp>
-        <p:nvSpPr>
-          <p:cNvPr id="2" name="Title 1"/>
-          <p:cNvSpPr>
-            <a:spLocks noGrp="1"/>
-          </p:cNvSpPr>
-          <p:nvPr>
-            <p:ph type="title"/>
-          </p:nvPr>
-        </p:nvSpPr>
-        <p:spPr/>
-        <p:txBody>
-          <a:bodyPr/>
-          <a:lstStyle/>
-          <a:p>
-            <a:r>
-              <a:rPr lang="en-US" dirty="0" smtClean="0"/>
-              <a:t>CLIP</a:t>
-            </a:r>
-            <a:endParaRPr lang="en-US" dirty="0"/>
-          </a:p>
-        </p:txBody>
-      </p:sp>
-      <p:sp>
-        <p:nvSpPr>
-          <p:cNvPr id="3" name="Content Placeholder 2"/>
-          <p:cNvSpPr>
-            <a:spLocks noGrp="1"/>
-          </p:cNvSpPr>
-          <p:nvPr>
-            <p:ph idx="1"/>
-          </p:nvPr>
-        </p:nvSpPr>
-        <p:spPr/>
-        <p:txBody>
-          <a:bodyPr/>
-          <a:lstStyle/>
-          <a:p>
-            <a:r>
-              <a:rPr lang="en-US" dirty="0" smtClean="0"/>
-              <a:t>CLIP provides interface between VHDL Code and LVFPGA Code</a:t>
-            </a:r>
-          </a:p>
-          <a:p>
-            <a:r>
-              <a:rPr lang="en-US" dirty="0" smtClean="0"/>
-              <a:t>Two types of CLIPS</a:t>
-            </a:r>
-          </a:p>
-          <a:p>
-            <a:pPr>
-              <a:buNone/>
-            </a:pPr>
-            <a:r>
-              <a:rPr lang="en-US" dirty="0" smtClean="0"/>
-              <a:t>	a) User Defined CLIP</a:t>
-            </a:r>
-          </a:p>
-          <a:p>
-            <a:pPr>
-              <a:buNone/>
-            </a:pPr>
-            <a:r>
-              <a:rPr lang="en-US" dirty="0" smtClean="0"/>
-              <a:t>    b) </a:t>
-            </a:r>
-            <a:r>
-              <a:rPr lang="en-US" dirty="0" err="1" smtClean="0"/>
-              <a:t>Socketed</a:t>
-            </a:r>
-            <a:r>
-              <a:rPr lang="en-US" dirty="0" smtClean="0"/>
-              <a:t> CLIP</a:t>
-            </a:r>
-          </a:p>
-          <a:p>
-            <a:r>
-              <a:rPr lang="en-US" dirty="0" smtClean="0"/>
-              <a:t>There can only be one </a:t>
-            </a:r>
-            <a:r>
-              <a:rPr lang="en-US" dirty="0" err="1" smtClean="0"/>
-              <a:t>socketed</a:t>
-            </a:r>
-            <a:r>
-              <a:rPr lang="en-US" dirty="0" smtClean="0"/>
-              <a:t> CLIP for each board</a:t>
-            </a:r>
-          </a:p>
-        </p:txBody>
-      </p:sp>
-    </p:spTree>
-  </p:cSld>
-  <p:clrMapOvr>
-    <a:masterClrMapping/>
-  </p:clrMapOvr>
-</p:sld>
-</file>
-
-<file path=ppt/slides/slide20.xml><?xml version="1.0" encoding="utf-8"?>
+<file path=ppt/slides/slide24.xml><?xml version="1.0" encoding="utf-8"?>
 <p:sld xmlns:a="http://schemas.openxmlformats.org/drawingml/2006/main" xmlns:r="http://schemas.openxmlformats.org/officeDocument/2006/relationships" xmlns:p="http://schemas.openxmlformats.org/presentationml/2006/main">
   <p:cSld>
     <p:spTree>
@@ -4055,7 +5090,7 @@
 </p:sld>
 </file>
 
-<file path=ppt/slides/slide21.xml><?xml version="1.0" encoding="utf-8"?>
+<file path=ppt/slides/slide25.xml><?xml version="1.0" encoding="utf-8"?>
 <p:sld xmlns:a="http://schemas.openxmlformats.org/drawingml/2006/main" xmlns:r="http://schemas.openxmlformats.org/officeDocument/2006/relationships" xmlns:p="http://schemas.openxmlformats.org/presentationml/2006/main">
   <p:cSld>
     <p:spTree>
@@ -4181,7 +5216,7 @@
 </p:sld>
 </file>
 
-<file path=ppt/slides/slide22.xml><?xml version="1.0" encoding="utf-8"?>
+<file path=ppt/slides/slide26.xml><?xml version="1.0" encoding="utf-8"?>
 <p:sld xmlns:a="http://schemas.openxmlformats.org/drawingml/2006/main" xmlns:r="http://schemas.openxmlformats.org/officeDocument/2006/relationships" xmlns:p="http://schemas.openxmlformats.org/presentationml/2006/main" show="0">
   <p:cSld>
     <p:spTree>
@@ -4450,7 +5485,7 @@
 </p:sld>
 </file>
 
-<file path=ppt/slides/slide23.xml><?xml version="1.0" encoding="utf-8"?>
+<file path=ppt/slides/slide27.xml><?xml version="1.0" encoding="utf-8"?>
 <p:sld xmlns:a="http://schemas.openxmlformats.org/drawingml/2006/main" xmlns:r="http://schemas.openxmlformats.org/officeDocument/2006/relationships" xmlns:p="http://schemas.openxmlformats.org/presentationml/2006/main" show="0">
   <p:cSld>
     <p:spTree>
@@ -4623,7 +5658,7 @@
 </p:sld>
 </file>
 
-<file path=ppt/slides/slide24.xml><?xml version="1.0" encoding="utf-8"?>
+<file path=ppt/slides/slide28.xml><?xml version="1.0" encoding="utf-8"?>
 <p:sld xmlns:a="http://schemas.openxmlformats.org/drawingml/2006/main" xmlns:r="http://schemas.openxmlformats.org/officeDocument/2006/relationships" xmlns:p="http://schemas.openxmlformats.org/presentationml/2006/main">
   <p:cSld>
     <p:spTree>
@@ -4676,7 +5711,7 @@
 </p:sld>
 </file>
 
-<file path=ppt/slides/slide25.xml><?xml version="1.0" encoding="utf-8"?>
+<file path=ppt/slides/slide29.xml><?xml version="1.0" encoding="utf-8"?>
 <p:sld xmlns:a="http://schemas.openxmlformats.org/drawingml/2006/main" xmlns:r="http://schemas.openxmlformats.org/officeDocument/2006/relationships" xmlns:p="http://schemas.openxmlformats.org/presentationml/2006/main">
   <p:cSld>
     <p:spTree>
@@ -4800,7 +5835,236 @@
 </p:sld>
 </file>
 
-<file path=ppt/slides/slide26.xml><?xml version="1.0" encoding="utf-8"?>
+<file path=ppt/slides/slide3.xml><?xml version="1.0" encoding="utf-8"?>
+<p:sld xmlns:a="http://schemas.openxmlformats.org/drawingml/2006/main" xmlns:r="http://schemas.openxmlformats.org/officeDocument/2006/relationships" xmlns:p="http://schemas.openxmlformats.org/presentationml/2006/main">
+  <p:cSld>
+    <p:spTree>
+      <p:nvGrpSpPr>
+        <p:cNvPr id="1" name=""/>
+        <p:cNvGrpSpPr/>
+        <p:nvPr/>
+      </p:nvGrpSpPr>
+      <p:grpSpPr>
+        <a:xfrm>
+          <a:off x="0" y="0"/>
+          <a:ext cx="0" cy="0"/>
+          <a:chOff x="0" y="0"/>
+          <a:chExt cx="0" cy="0"/>
+        </a:xfrm>
+      </p:grpSpPr>
+      <p:sp>
+        <p:nvSpPr>
+          <p:cNvPr id="2" name="Title 1"/>
+          <p:cNvSpPr>
+            <a:spLocks noGrp="1"/>
+          </p:cNvSpPr>
+          <p:nvPr>
+            <p:ph type="title"/>
+          </p:nvPr>
+        </p:nvSpPr>
+        <p:spPr/>
+        <p:txBody>
+          <a:bodyPr/>
+          <a:lstStyle/>
+          <a:p>
+            <a:r>
+              <a:rPr lang="en-US" dirty="0" smtClean="0"/>
+              <a:t>Connecting to SOM</a:t>
+            </a:r>
+            <a:endParaRPr lang="en-US" dirty="0"/>
+          </a:p>
+        </p:txBody>
+      </p:sp>
+      <p:sp>
+        <p:nvSpPr>
+          <p:cNvPr id="3" name="Content Placeholder 2"/>
+          <p:cNvSpPr>
+            <a:spLocks noGrp="1"/>
+          </p:cNvSpPr>
+          <p:nvPr>
+            <p:ph idx="1"/>
+          </p:nvPr>
+        </p:nvSpPr>
+        <p:spPr/>
+        <p:txBody>
+          <a:bodyPr/>
+          <a:lstStyle/>
+          <a:p>
+            <a:r>
+              <a:rPr lang="en-US" dirty="0" smtClean="0"/>
+              <a:t>Now you disconnect cable between laptop/computer</a:t>
+            </a:r>
+          </a:p>
+          <a:p>
+            <a:r>
+              <a:rPr lang="en-US" dirty="0" smtClean="0"/>
+              <a:t>Connect SOM to Wireless </a:t>
+            </a:r>
+          </a:p>
+          <a:p>
+            <a:r>
+              <a:rPr lang="en-US" dirty="0" smtClean="0"/>
+              <a:t>Find SOM in MAX by the name </a:t>
+            </a:r>
+            <a:endParaRPr lang="en-US" dirty="0"/>
+          </a:p>
+        </p:txBody>
+      </p:sp>
+      <p:pic>
+        <p:nvPicPr>
+          <p:cNvPr id="2050" name="Picture 2"/>
+          <p:cNvPicPr>
+            <a:picLocks noChangeAspect="1" noChangeArrowheads="1"/>
+          </p:cNvPicPr>
+          <p:nvPr/>
+        </p:nvPicPr>
+        <p:blipFill>
+          <a:blip r:embed="rId3"/>
+          <a:srcRect r="49840" b="68288"/>
+          <a:stretch>
+            <a:fillRect/>
+          </a:stretch>
+        </p:blipFill>
+        <p:spPr bwMode="auto">
+          <a:xfrm>
+            <a:off x="162046" y="3740251"/>
+            <a:ext cx="4259771" cy="2313309"/>
+          </a:xfrm>
+          <a:prstGeom prst="rect">
+            <a:avLst/>
+          </a:prstGeom>
+          <a:noFill/>
+          <a:ln w="9525">
+            <a:noFill/>
+            <a:miter lim="800000"/>
+            <a:headEnd/>
+            <a:tailEnd/>
+          </a:ln>
+        </p:spPr>
+      </p:pic>
+      <p:pic>
+        <p:nvPicPr>
+          <p:cNvPr id="2051" name="Picture 3"/>
+          <p:cNvPicPr>
+            <a:picLocks noChangeAspect="1" noChangeArrowheads="1"/>
+          </p:cNvPicPr>
+          <p:nvPr/>
+        </p:nvPicPr>
+        <p:blipFill>
+          <a:blip r:embed="rId4"/>
+          <a:srcRect r="53981" b="49877"/>
+          <a:stretch>
+            <a:fillRect/>
+          </a:stretch>
+        </p:blipFill>
+        <p:spPr bwMode="auto">
+          <a:xfrm>
+            <a:off x="5731277" y="3521959"/>
+            <a:ext cx="3077057" cy="2878841"/>
+          </a:xfrm>
+          <a:prstGeom prst="rect">
+            <a:avLst/>
+          </a:prstGeom>
+          <a:noFill/>
+          <a:ln w="9525">
+            <a:noFill/>
+            <a:miter lim="800000"/>
+            <a:headEnd/>
+            <a:tailEnd/>
+          </a:ln>
+        </p:spPr>
+      </p:pic>
+      <p:sp>
+        <p:nvSpPr>
+          <p:cNvPr id="8" name="Right Arrow 7"/>
+          <p:cNvSpPr/>
+          <p:nvPr/>
+        </p:nvSpPr>
+        <p:spPr>
+          <a:xfrm>
+            <a:off x="4641448" y="4838218"/>
+            <a:ext cx="925975" cy="613459"/>
+          </a:xfrm>
+          <a:prstGeom prst="rightArrow">
+            <a:avLst/>
+          </a:prstGeom>
+        </p:spPr>
+        <p:style>
+          <a:lnRef idx="1">
+            <a:schemeClr val="accent1"/>
+          </a:lnRef>
+          <a:fillRef idx="3">
+            <a:schemeClr val="accent1"/>
+          </a:fillRef>
+          <a:effectRef idx="2">
+            <a:schemeClr val="accent1"/>
+          </a:effectRef>
+          <a:fontRef idx="minor">
+            <a:schemeClr val="lt1"/>
+          </a:fontRef>
+        </p:style>
+        <p:txBody>
+          <a:bodyPr rtlCol="0" anchor="ctr"/>
+          <a:lstStyle/>
+          <a:p>
+            <a:pPr algn="ctr"/>
+            <a:endParaRPr lang="en-US"/>
+          </a:p>
+        </p:txBody>
+      </p:sp>
+      <p:sp>
+        <p:nvSpPr>
+          <p:cNvPr id="9" name="Oval 8"/>
+          <p:cNvSpPr/>
+          <p:nvPr/>
+        </p:nvSpPr>
+        <p:spPr>
+          <a:xfrm>
+            <a:off x="6099858" y="5359078"/>
+            <a:ext cx="2905246" cy="1279003"/>
+          </a:xfrm>
+          <a:prstGeom prst="ellipse">
+            <a:avLst/>
+          </a:prstGeom>
+          <a:noFill/>
+          <a:ln w="50800">
+            <a:solidFill>
+              <a:srgbClr val="FF0000"/>
+            </a:solidFill>
+          </a:ln>
+        </p:spPr>
+        <p:style>
+          <a:lnRef idx="1">
+            <a:schemeClr val="accent1"/>
+          </a:lnRef>
+          <a:fillRef idx="3">
+            <a:schemeClr val="accent1"/>
+          </a:fillRef>
+          <a:effectRef idx="2">
+            <a:schemeClr val="accent1"/>
+          </a:effectRef>
+          <a:fontRef idx="minor">
+            <a:schemeClr val="lt1"/>
+          </a:fontRef>
+        </p:style>
+        <p:txBody>
+          <a:bodyPr rtlCol="0" anchor="ctr"/>
+          <a:lstStyle/>
+          <a:p>
+            <a:pPr algn="ctr"/>
+            <a:endParaRPr lang="en-US"/>
+          </a:p>
+        </p:txBody>
+      </p:sp>
+    </p:spTree>
+  </p:cSld>
+  <p:clrMapOvr>
+    <a:masterClrMapping/>
+  </p:clrMapOvr>
+</p:sld>
+</file>
+
+<file path=ppt/slides/slide30.xml><?xml version="1.0" encoding="utf-8"?>
 <p:sld xmlns:a="http://schemas.openxmlformats.org/drawingml/2006/main" xmlns:r="http://schemas.openxmlformats.org/officeDocument/2006/relationships" xmlns:p="http://schemas.openxmlformats.org/presentationml/2006/main">
   <p:cSld>
     <p:spTree>
@@ -4921,7 +6185,7 @@
 </p:sld>
 </file>
 
-<file path=ppt/slides/slide27.xml><?xml version="1.0" encoding="utf-8"?>
+<file path=ppt/slides/slide31.xml><?xml version="1.0" encoding="utf-8"?>
 <p:sld xmlns:a="http://schemas.openxmlformats.org/drawingml/2006/main" xmlns:r="http://schemas.openxmlformats.org/officeDocument/2006/relationships" xmlns:p="http://schemas.openxmlformats.org/presentationml/2006/main">
   <p:cSld>
     <p:spTree>
@@ -4992,7 +6256,7 @@
 </p:sld>
 </file>
 
-<file path=ppt/slides/slide28.xml><?xml version="1.0" encoding="utf-8"?>
+<file path=ppt/slides/slide32.xml><?xml version="1.0" encoding="utf-8"?>
 <p:sld xmlns:a="http://schemas.openxmlformats.org/drawingml/2006/main" xmlns:r="http://schemas.openxmlformats.org/officeDocument/2006/relationships" xmlns:p="http://schemas.openxmlformats.org/presentationml/2006/main">
   <p:cSld>
     <p:spTree>
@@ -5055,7 +6319,7 @@
 </p:sld>
 </file>
 
-<file path=ppt/slides/slide3.xml><?xml version="1.0" encoding="utf-8"?>
+<file path=ppt/slides/slide4.xml><?xml version="1.0" encoding="utf-8"?>
 <p:sld xmlns:a="http://schemas.openxmlformats.org/drawingml/2006/main" xmlns:r="http://schemas.openxmlformats.org/officeDocument/2006/relationships" xmlns:p="http://schemas.openxmlformats.org/presentationml/2006/main">
   <p:cSld>
     <p:spTree>
@@ -5088,12 +6352,8 @@
           <a:lstStyle/>
           <a:p>
             <a:r>
-              <a:rPr lang="en-US" dirty="0" err="1" smtClean="0"/>
-              <a:t>Socketed</a:t>
-            </a:r>
-            <a:r>
-              <a:rPr lang="en-US" dirty="0" smtClean="0"/>
-              <a:t> CLIP</a:t>
+              <a:rPr lang="en-US" dirty="0" smtClean="0"/>
+              <a:t>Connecting SOM Console using Putty and RS-232</a:t>
             </a:r>
             <a:endParaRPr lang="en-US" dirty="0"/>
           </a:p>
@@ -5109,26 +6369,111 @@
             <p:ph idx="1"/>
           </p:nvPr>
         </p:nvSpPr>
-        <p:spPr>
-          <a:xfrm>
-            <a:off x="152400" y="1600200"/>
-            <a:ext cx="8839200" cy="4572000"/>
-          </a:xfrm>
-        </p:spPr>
+        <p:spPr/>
         <p:txBody>
           <a:bodyPr/>
           <a:lstStyle/>
+          <a:p>
+            <a:r>
+              <a:rPr lang="en-US" sz="1600" dirty="0" smtClean="0"/>
+              <a:t> </a:t>
+            </a:r>
+            <a:r>
+              <a:rPr lang="en-US" sz="1600" dirty="0" smtClean="0"/>
+              <a:t>Connect </a:t>
+            </a:r>
+            <a:r>
+              <a:rPr lang="en-US" sz="1600" dirty="0" smtClean="0"/>
+              <a:t>COM Console of SOM to Putty</a:t>
+            </a:r>
+          </a:p>
+          <a:p>
+            <a:endParaRPr lang="en-US" sz="1600" dirty="0" smtClean="0"/>
+          </a:p>
+          <a:p>
+            <a:r>
+              <a:rPr lang="en-US" sz="1600" dirty="0" smtClean="0"/>
+              <a:t>Step 1: Hold Reset button for 5 seconds to start the board in safe </a:t>
+            </a:r>
+            <a:r>
+              <a:rPr lang="en-US" sz="1600" dirty="0" smtClean="0"/>
+              <a:t>mode and </a:t>
+            </a:r>
+            <a:r>
+              <a:rPr lang="en-US" sz="1600" dirty="0" smtClean="0"/>
+              <a:t>get output from console</a:t>
+            </a:r>
+          </a:p>
+          <a:p>
+            <a:endParaRPr lang="en-US" sz="1600" dirty="0" smtClean="0"/>
+          </a:p>
+          <a:p>
+            <a:r>
+              <a:rPr lang="en-US" sz="1600" dirty="0" smtClean="0"/>
+              <a:t>Step2 :Using </a:t>
+            </a:r>
+            <a:r>
+              <a:rPr lang="en-US" sz="1600" dirty="0" smtClean="0"/>
+              <a:t>Settings ---- Baud </a:t>
+            </a:r>
+            <a:r>
+              <a:rPr lang="en-US" sz="1600" dirty="0" smtClean="0"/>
+              <a:t>Rate: 115200</a:t>
+            </a:r>
+          </a:p>
+          <a:p>
+            <a:endParaRPr lang="en-US" sz="1600" dirty="0" smtClean="0"/>
+          </a:p>
+          <a:p>
+            <a:endParaRPr lang="en-US" sz="1600" dirty="0" smtClean="0"/>
+          </a:p>
+          <a:p>
+            <a:r>
+              <a:rPr lang="en-US" sz="1600" dirty="0" smtClean="0"/>
+              <a:t>Step 3: Check IP Address </a:t>
+            </a:r>
+            <a:r>
+              <a:rPr lang="en-US" sz="1600" dirty="0" smtClean="0"/>
+              <a:t>using  </a:t>
+            </a:r>
+            <a:r>
+              <a:rPr lang="en-US" sz="1600" dirty="0" err="1" smtClean="0"/>
+              <a:t>ifconfig</a:t>
+            </a:r>
+            <a:endParaRPr lang="en-US" sz="1600" dirty="0" smtClean="0"/>
+          </a:p>
+          <a:p>
+            <a:endParaRPr lang="en-US" sz="1600" dirty="0" smtClean="0"/>
+          </a:p>
+          <a:p>
+            <a:r>
+              <a:rPr lang="en-US" sz="1600" dirty="0" smtClean="0"/>
+              <a:t>Step 4 (Optional) : If </a:t>
+            </a:r>
+            <a:r>
+              <a:rPr lang="en-US" sz="1600" dirty="0" smtClean="0"/>
+              <a:t>you don't get the IP Address, run</a:t>
+            </a:r>
+          </a:p>
           <a:p>
             <a:pPr>
               <a:buNone/>
             </a:pPr>
             <a:r>
-              <a:rPr lang="en-US" dirty="0" err="1" smtClean="0"/>
-              <a:t>Socketed</a:t>
-            </a:r>
-            <a:r>
-              <a:rPr lang="en-US" dirty="0" smtClean="0"/>
-              <a:t> CLIP abstracts underlying I/O for LVFPGA</a:t>
+              <a:rPr lang="en-US" sz="1600" dirty="0" smtClean="0"/>
+              <a:t>	a) /etc/</a:t>
+            </a:r>
+            <a:r>
+              <a:rPr lang="en-US" sz="1600" dirty="0" err="1" smtClean="0"/>
+              <a:t>init.d</a:t>
+            </a:r>
+            <a:r>
+              <a:rPr lang="en-US" sz="1600" dirty="0" smtClean="0"/>
+              <a:t>/networking </a:t>
+            </a:r>
+            <a:r>
+              <a:rPr lang="en-US" sz="1600" dirty="0" smtClean="0"/>
+              <a:t>restart</a:t>
             </a:r>
           </a:p>
           <a:p>
@@ -5136,37 +6481,14 @@
               <a:buNone/>
             </a:pPr>
             <a:r>
-              <a:rPr lang="en-US" dirty="0" smtClean="0"/>
-              <a:t>It has three components</a:t>
-            </a:r>
-          </a:p>
-          <a:p>
-            <a:pPr marL="514350" indent="-514350">
-              <a:buAutoNum type="alphaLcParenR"/>
-            </a:pPr>
-            <a:r>
-              <a:rPr lang="en-US" dirty="0" smtClean="0"/>
-              <a:t>VHDL File</a:t>
-            </a:r>
-          </a:p>
-          <a:p>
-            <a:pPr marL="514350" indent="-514350">
-              <a:buAutoNum type="alphaLcParenR"/>
-            </a:pPr>
-            <a:r>
-              <a:rPr lang="en-US" dirty="0" smtClean="0"/>
-              <a:t>XML File</a:t>
-            </a:r>
-          </a:p>
-          <a:p>
-            <a:pPr marL="514350" indent="-514350">
-              <a:buAutoNum type="alphaLcParenR"/>
-            </a:pPr>
-            <a:r>
-              <a:rPr lang="en-US" dirty="0" smtClean="0"/>
-              <a:t>*.xdc or *.ucf constraints file</a:t>
-            </a:r>
-            <a:endParaRPr lang="en-US" dirty="0"/>
+              <a:rPr lang="en-US" sz="1600" dirty="0" smtClean="0"/>
+              <a:t>	b) then </a:t>
+            </a:r>
+            <a:r>
+              <a:rPr lang="en-US" sz="1600" dirty="0" err="1" smtClean="0"/>
+              <a:t>ifconfig</a:t>
+            </a:r>
+            <a:endParaRPr lang="en-US" sz="1600" dirty="0"/>
           </a:p>
         </p:txBody>
       </p:sp>
@@ -5178,7 +6500,317 @@
 </p:sld>
 </file>
 
-<file path=ppt/slides/slide4.xml><?xml version="1.0" encoding="utf-8"?>
+<file path=ppt/slides/slide5.xml><?xml version="1.0" encoding="utf-8"?>
+<p:sld xmlns:a="http://schemas.openxmlformats.org/drawingml/2006/main" xmlns:r="http://schemas.openxmlformats.org/officeDocument/2006/relationships" xmlns:p="http://schemas.openxmlformats.org/presentationml/2006/main">
+  <p:cSld>
+    <p:spTree>
+      <p:nvGrpSpPr>
+        <p:cNvPr id="1" name=""/>
+        <p:cNvGrpSpPr/>
+        <p:nvPr/>
+      </p:nvGrpSpPr>
+      <p:grpSpPr>
+        <a:xfrm>
+          <a:off x="0" y="0"/>
+          <a:ext cx="0" cy="0"/>
+          <a:chOff x="0" y="0"/>
+          <a:chExt cx="0" cy="0"/>
+        </a:xfrm>
+      </p:grpSpPr>
+      <p:sp>
+        <p:nvSpPr>
+          <p:cNvPr id="2" name="Title 1"/>
+          <p:cNvSpPr>
+            <a:spLocks noGrp="1"/>
+          </p:cNvSpPr>
+          <p:nvPr>
+            <p:ph type="title"/>
+          </p:nvPr>
+        </p:nvSpPr>
+        <p:spPr/>
+        <p:txBody>
+          <a:bodyPr/>
+          <a:lstStyle/>
+          <a:p>
+            <a:r>
+              <a:rPr lang="en-US" dirty="0" smtClean="0"/>
+              <a:t>Wireless Access Point</a:t>
+            </a:r>
+            <a:endParaRPr lang="en-US" dirty="0"/>
+          </a:p>
+        </p:txBody>
+      </p:sp>
+      <p:sp>
+        <p:nvSpPr>
+          <p:cNvPr id="3" name="Content Placeholder 2"/>
+          <p:cNvSpPr>
+            <a:spLocks noGrp="1"/>
+          </p:cNvSpPr>
+          <p:nvPr>
+            <p:ph idx="1"/>
+          </p:nvPr>
+        </p:nvSpPr>
+        <p:spPr/>
+        <p:txBody>
+          <a:bodyPr/>
+          <a:lstStyle/>
+          <a:p>
+            <a:r>
+              <a:rPr lang="en-US" dirty="0" smtClean="0"/>
+              <a:t>Instructions to setup wireless access point on SOM are listed below</a:t>
+            </a:r>
+            <a:endParaRPr lang="en-US" dirty="0"/>
+          </a:p>
+        </p:txBody>
+      </p:sp>
+    </p:spTree>
+  </p:cSld>
+  <p:clrMapOvr>
+    <a:masterClrMapping/>
+  </p:clrMapOvr>
+</p:sld>
+</file>
+
+<file path=ppt/slides/slide6.xml><?xml version="1.0" encoding="utf-8"?>
+<p:sld xmlns:a="http://schemas.openxmlformats.org/drawingml/2006/main" xmlns:r="http://schemas.openxmlformats.org/officeDocument/2006/relationships" xmlns:p="http://schemas.openxmlformats.org/presentationml/2006/main">
+  <p:cSld>
+    <p:spTree>
+      <p:nvGrpSpPr>
+        <p:cNvPr id="1" name=""/>
+        <p:cNvGrpSpPr/>
+        <p:nvPr/>
+      </p:nvGrpSpPr>
+      <p:grpSpPr>
+        <a:xfrm>
+          <a:off x="0" y="0"/>
+          <a:ext cx="0" cy="0"/>
+          <a:chOff x="0" y="0"/>
+          <a:chExt cx="0" cy="0"/>
+        </a:xfrm>
+      </p:grpSpPr>
+      <p:sp>
+        <p:nvSpPr>
+          <p:cNvPr id="2" name="Title 1"/>
+          <p:cNvSpPr>
+            <a:spLocks noGrp="1"/>
+          </p:cNvSpPr>
+          <p:nvPr>
+            <p:ph type="title"/>
+          </p:nvPr>
+        </p:nvSpPr>
+        <p:spPr/>
+        <p:txBody>
+          <a:bodyPr/>
+          <a:lstStyle/>
+          <a:p>
+            <a:r>
+              <a:rPr lang="en-US" dirty="0" smtClean="0"/>
+              <a:t>CLIP</a:t>
+            </a:r>
+            <a:endParaRPr lang="en-US" dirty="0"/>
+          </a:p>
+        </p:txBody>
+      </p:sp>
+      <p:sp>
+        <p:nvSpPr>
+          <p:cNvPr id="3" name="Content Placeholder 2"/>
+          <p:cNvSpPr>
+            <a:spLocks noGrp="1"/>
+          </p:cNvSpPr>
+          <p:nvPr>
+            <p:ph idx="1"/>
+          </p:nvPr>
+        </p:nvSpPr>
+        <p:spPr/>
+        <p:txBody>
+          <a:bodyPr/>
+          <a:lstStyle/>
+          <a:p>
+            <a:r>
+              <a:rPr lang="en-US" dirty="0" smtClean="0"/>
+              <a:t>CLIP provides interface between VHDL Code and LVFPGA Code</a:t>
+            </a:r>
+          </a:p>
+          <a:p>
+            <a:r>
+              <a:rPr lang="en-US" dirty="0" smtClean="0"/>
+              <a:t>Two types of CLIPS</a:t>
+            </a:r>
+          </a:p>
+          <a:p>
+            <a:pPr>
+              <a:buNone/>
+            </a:pPr>
+            <a:r>
+              <a:rPr lang="en-US" dirty="0" smtClean="0"/>
+              <a:t>	a) User Defined CLIP</a:t>
+            </a:r>
+          </a:p>
+          <a:p>
+            <a:pPr>
+              <a:buNone/>
+            </a:pPr>
+            <a:r>
+              <a:rPr lang="en-US" dirty="0" smtClean="0"/>
+              <a:t>    b) </a:t>
+            </a:r>
+            <a:r>
+              <a:rPr lang="en-US" dirty="0" err="1" smtClean="0"/>
+              <a:t>Socketed</a:t>
+            </a:r>
+            <a:r>
+              <a:rPr lang="en-US" dirty="0" smtClean="0"/>
+              <a:t> CLIP</a:t>
+            </a:r>
+          </a:p>
+          <a:p>
+            <a:r>
+              <a:rPr lang="en-US" dirty="0" smtClean="0"/>
+              <a:t>There can only be one </a:t>
+            </a:r>
+            <a:r>
+              <a:rPr lang="en-US" dirty="0" err="1" smtClean="0"/>
+              <a:t>socketed</a:t>
+            </a:r>
+            <a:r>
+              <a:rPr lang="en-US" dirty="0" smtClean="0"/>
+              <a:t> CLIP for each board</a:t>
+            </a:r>
+          </a:p>
+        </p:txBody>
+      </p:sp>
+    </p:spTree>
+  </p:cSld>
+  <p:clrMapOvr>
+    <a:masterClrMapping/>
+  </p:clrMapOvr>
+</p:sld>
+</file>
+
+<file path=ppt/slides/slide7.xml><?xml version="1.0" encoding="utf-8"?>
+<p:sld xmlns:a="http://schemas.openxmlformats.org/drawingml/2006/main" xmlns:r="http://schemas.openxmlformats.org/officeDocument/2006/relationships" xmlns:p="http://schemas.openxmlformats.org/presentationml/2006/main">
+  <p:cSld>
+    <p:spTree>
+      <p:nvGrpSpPr>
+        <p:cNvPr id="1" name=""/>
+        <p:cNvGrpSpPr/>
+        <p:nvPr/>
+      </p:nvGrpSpPr>
+      <p:grpSpPr>
+        <a:xfrm>
+          <a:off x="0" y="0"/>
+          <a:ext cx="0" cy="0"/>
+          <a:chOff x="0" y="0"/>
+          <a:chExt cx="0" cy="0"/>
+        </a:xfrm>
+      </p:grpSpPr>
+      <p:sp>
+        <p:nvSpPr>
+          <p:cNvPr id="2" name="Title 1"/>
+          <p:cNvSpPr>
+            <a:spLocks noGrp="1"/>
+          </p:cNvSpPr>
+          <p:nvPr>
+            <p:ph type="title"/>
+          </p:nvPr>
+        </p:nvSpPr>
+        <p:spPr/>
+        <p:txBody>
+          <a:bodyPr/>
+          <a:lstStyle/>
+          <a:p>
+            <a:r>
+              <a:rPr lang="en-US" dirty="0" err="1" smtClean="0"/>
+              <a:t>Socketed</a:t>
+            </a:r>
+            <a:r>
+              <a:rPr lang="en-US" dirty="0" smtClean="0"/>
+              <a:t> CLIP</a:t>
+            </a:r>
+            <a:endParaRPr lang="en-US" dirty="0"/>
+          </a:p>
+        </p:txBody>
+      </p:sp>
+      <p:sp>
+        <p:nvSpPr>
+          <p:cNvPr id="3" name="Content Placeholder 2"/>
+          <p:cNvSpPr>
+            <a:spLocks noGrp="1"/>
+          </p:cNvSpPr>
+          <p:nvPr>
+            <p:ph idx="1"/>
+          </p:nvPr>
+        </p:nvSpPr>
+        <p:spPr>
+          <a:xfrm>
+            <a:off x="152400" y="1600200"/>
+            <a:ext cx="8839200" cy="4572000"/>
+          </a:xfrm>
+        </p:spPr>
+        <p:txBody>
+          <a:bodyPr/>
+          <a:lstStyle/>
+          <a:p>
+            <a:pPr>
+              <a:buNone/>
+            </a:pPr>
+            <a:r>
+              <a:rPr lang="en-US" dirty="0" err="1" smtClean="0"/>
+              <a:t>Socketed</a:t>
+            </a:r>
+            <a:r>
+              <a:rPr lang="en-US" dirty="0" smtClean="0"/>
+              <a:t> CLIP abstracts underlying I/O for LVFPGA</a:t>
+            </a:r>
+          </a:p>
+          <a:p>
+            <a:pPr>
+              <a:buNone/>
+            </a:pPr>
+            <a:r>
+              <a:rPr lang="en-US" dirty="0" smtClean="0"/>
+              <a:t>It has three components</a:t>
+            </a:r>
+          </a:p>
+          <a:p>
+            <a:pPr marL="514350" indent="-514350">
+              <a:buAutoNum type="alphaLcParenR"/>
+            </a:pPr>
+            <a:r>
+              <a:rPr lang="en-US" dirty="0" smtClean="0"/>
+              <a:t>VHDL File</a:t>
+            </a:r>
+          </a:p>
+          <a:p>
+            <a:pPr marL="514350" indent="-514350">
+              <a:buAutoNum type="alphaLcParenR"/>
+            </a:pPr>
+            <a:r>
+              <a:rPr lang="en-US" dirty="0" smtClean="0"/>
+              <a:t>XML File</a:t>
+            </a:r>
+          </a:p>
+          <a:p>
+            <a:pPr marL="514350" indent="-514350">
+              <a:buAutoNum type="alphaLcParenR"/>
+            </a:pPr>
+            <a:r>
+              <a:rPr lang="en-US" dirty="0" smtClean="0"/>
+              <a:t>*.xdc or *.ucf constraints file</a:t>
+            </a:r>
+            <a:endParaRPr lang="en-US" dirty="0"/>
+          </a:p>
+        </p:txBody>
+      </p:sp>
+    </p:spTree>
+  </p:cSld>
+  <p:clrMapOvr>
+    <a:masterClrMapping/>
+  </p:clrMapOvr>
+</p:sld>
+</file>
+
+<file path=ppt/slides/slide8.xml><?xml version="1.0" encoding="utf-8"?>
 <p:sld xmlns:a="http://schemas.openxmlformats.org/drawingml/2006/main" xmlns:r="http://schemas.openxmlformats.org/officeDocument/2006/relationships" xmlns:p="http://schemas.openxmlformats.org/presentationml/2006/main">
   <p:cSld>
     <p:spTree>
@@ -5294,7 +6926,7 @@
 </p:sld>
 </file>
 
-<file path=ppt/slides/slide5.xml><?xml version="1.0" encoding="utf-8"?>
+<file path=ppt/slides/slide9.xml><?xml version="1.0" encoding="utf-8"?>
 <p:sld xmlns:a="http://schemas.openxmlformats.org/drawingml/2006/main" xmlns:r="http://schemas.openxmlformats.org/officeDocument/2006/relationships" xmlns:p="http://schemas.openxmlformats.org/presentationml/2006/main">
   <p:cSld>
     <p:spTree>
@@ -5366,436 +6998,6 @@
           </a:ln>
         </p:spPr>
       </p:pic>
-    </p:spTree>
-  </p:cSld>
-  <p:clrMapOvr>
-    <a:masterClrMapping/>
-  </p:clrMapOvr>
-</p:sld>
-</file>
-
-<file path=ppt/slides/slide6.xml><?xml version="1.0" encoding="utf-8"?>
-<p:sld xmlns:a="http://schemas.openxmlformats.org/drawingml/2006/main" xmlns:r="http://schemas.openxmlformats.org/officeDocument/2006/relationships" xmlns:p="http://schemas.openxmlformats.org/presentationml/2006/main">
-  <p:cSld>
-    <p:spTree>
-      <p:nvGrpSpPr>
-        <p:cNvPr id="1" name=""/>
-        <p:cNvGrpSpPr/>
-        <p:nvPr/>
-      </p:nvGrpSpPr>
-      <p:grpSpPr>
-        <a:xfrm>
-          <a:off x="0" y="0"/>
-          <a:ext cx="0" cy="0"/>
-          <a:chOff x="0" y="0"/>
-          <a:chExt cx="0" cy="0"/>
-        </a:xfrm>
-      </p:grpSpPr>
-      <p:sp>
-        <p:nvSpPr>
-          <p:cNvPr id="2" name="Title 1"/>
-          <p:cNvSpPr>
-            <a:spLocks noGrp="1"/>
-          </p:cNvSpPr>
-          <p:nvPr>
-            <p:ph type="title"/>
-          </p:nvPr>
-        </p:nvSpPr>
-        <p:spPr/>
-        <p:txBody>
-          <a:bodyPr/>
-          <a:lstStyle/>
-          <a:p>
-            <a:r>
-              <a:rPr lang="en-US" dirty="0" smtClean="0"/>
-              <a:t>Step 2: Pin Configuration</a:t>
-            </a:r>
-            <a:endParaRPr lang="en-US" dirty="0"/>
-          </a:p>
-        </p:txBody>
-      </p:sp>
-      <p:pic>
-        <p:nvPicPr>
-          <p:cNvPr id="3074" name="Picture 2"/>
-          <p:cNvPicPr>
-            <a:picLocks noChangeAspect="1" noChangeArrowheads="1"/>
-          </p:cNvPicPr>
-          <p:nvPr/>
-        </p:nvPicPr>
-        <p:blipFill>
-          <a:blip r:embed="rId2" cstate="print"/>
-          <a:srcRect/>
-          <a:stretch>
-            <a:fillRect/>
-          </a:stretch>
-        </p:blipFill>
-        <p:spPr bwMode="auto">
-          <a:xfrm>
-            <a:off x="152400" y="2057400"/>
-            <a:ext cx="6311900" cy="4248150"/>
-          </a:xfrm>
-          <a:prstGeom prst="rect">
-            <a:avLst/>
-          </a:prstGeom>
-          <a:noFill/>
-          <a:ln w="9525">
-            <a:noFill/>
-            <a:miter lim="800000"/>
-            <a:headEnd/>
-            <a:tailEnd/>
-          </a:ln>
-        </p:spPr>
-      </p:pic>
-    </p:spTree>
-  </p:cSld>
-  <p:clrMapOvr>
-    <a:masterClrMapping/>
-  </p:clrMapOvr>
-</p:sld>
-</file>
-
-<file path=ppt/slides/slide7.xml><?xml version="1.0" encoding="utf-8"?>
-<p:sld xmlns:a="http://schemas.openxmlformats.org/drawingml/2006/main" xmlns:r="http://schemas.openxmlformats.org/officeDocument/2006/relationships" xmlns:p="http://schemas.openxmlformats.org/presentationml/2006/main" show="0">
-  <p:cSld>
-    <p:spTree>
-      <p:nvGrpSpPr>
-        <p:cNvPr id="1" name=""/>
-        <p:cNvGrpSpPr/>
-        <p:nvPr/>
-      </p:nvGrpSpPr>
-      <p:grpSpPr>
-        <a:xfrm>
-          <a:off x="0" y="0"/>
-          <a:ext cx="0" cy="0"/>
-          <a:chOff x="0" y="0"/>
-          <a:chExt cx="0" cy="0"/>
-        </a:xfrm>
-      </p:grpSpPr>
-      <p:sp>
-        <p:nvSpPr>
-          <p:cNvPr id="2" name="Title 1"/>
-          <p:cNvSpPr>
-            <a:spLocks noGrp="1"/>
-          </p:cNvSpPr>
-          <p:nvPr>
-            <p:ph type="title"/>
-          </p:nvPr>
-        </p:nvSpPr>
-        <p:spPr/>
-        <p:txBody>
-          <a:bodyPr/>
-          <a:lstStyle/>
-          <a:p>
-            <a:r>
-              <a:rPr lang="en-US" dirty="0" smtClean="0"/>
-              <a:t>Step 3: Select Pins for LVFPGA</a:t>
-            </a:r>
-            <a:endParaRPr lang="en-US" dirty="0"/>
-          </a:p>
-        </p:txBody>
-      </p:sp>
-      <p:pic>
-        <p:nvPicPr>
-          <p:cNvPr id="4098" name="Picture 2"/>
-          <p:cNvPicPr>
-            <a:picLocks noChangeAspect="1" noChangeArrowheads="1"/>
-          </p:cNvPicPr>
-          <p:nvPr/>
-        </p:nvPicPr>
-        <p:blipFill>
-          <a:blip r:embed="rId3" cstate="print"/>
-          <a:srcRect/>
-          <a:stretch>
-            <a:fillRect/>
-          </a:stretch>
-        </p:blipFill>
-        <p:spPr bwMode="auto">
-          <a:xfrm>
-            <a:off x="1143000" y="1828800"/>
-            <a:ext cx="6311900" cy="4248150"/>
-          </a:xfrm>
-          <a:prstGeom prst="rect">
-            <a:avLst/>
-          </a:prstGeom>
-          <a:noFill/>
-          <a:ln w="9525">
-            <a:noFill/>
-            <a:miter lim="800000"/>
-            <a:headEnd/>
-            <a:tailEnd/>
-          </a:ln>
-        </p:spPr>
-      </p:pic>
-    </p:spTree>
-  </p:cSld>
-  <p:clrMapOvr>
-    <a:masterClrMapping/>
-  </p:clrMapOvr>
-  <p:transition/>
-</p:sld>
-</file>
-
-<file path=ppt/slides/slide8.xml><?xml version="1.0" encoding="utf-8"?>
-<p:sld xmlns:a="http://schemas.openxmlformats.org/drawingml/2006/main" xmlns:r="http://schemas.openxmlformats.org/officeDocument/2006/relationships" xmlns:p="http://schemas.openxmlformats.org/presentationml/2006/main">
-  <p:cSld>
-    <p:spTree>
-      <p:nvGrpSpPr>
-        <p:cNvPr id="1" name=""/>
-        <p:cNvGrpSpPr/>
-        <p:nvPr/>
-      </p:nvGrpSpPr>
-      <p:grpSpPr>
-        <a:xfrm>
-          <a:off x="0" y="0"/>
-          <a:ext cx="0" cy="0"/>
-          <a:chOff x="0" y="0"/>
-          <a:chExt cx="0" cy="0"/>
-        </a:xfrm>
-      </p:grpSpPr>
-      <p:sp>
-        <p:nvSpPr>
-          <p:cNvPr id="2" name="Title 1"/>
-          <p:cNvSpPr>
-            <a:spLocks noGrp="1"/>
-          </p:cNvSpPr>
-          <p:nvPr>
-            <p:ph type="title"/>
-          </p:nvPr>
-        </p:nvSpPr>
-        <p:spPr/>
-        <p:txBody>
-          <a:bodyPr/>
-          <a:lstStyle/>
-          <a:p>
-            <a:r>
-              <a:rPr lang="en-US" dirty="0" smtClean="0"/>
-              <a:t>Step 3: Clocks</a:t>
-            </a:r>
-            <a:endParaRPr lang="en-US" dirty="0"/>
-          </a:p>
-        </p:txBody>
-      </p:sp>
-      <p:pic>
-        <p:nvPicPr>
-          <p:cNvPr id="5122" name="Picture 2"/>
-          <p:cNvPicPr>
-            <a:picLocks noChangeAspect="1" noChangeArrowheads="1"/>
-          </p:cNvPicPr>
-          <p:nvPr/>
-        </p:nvPicPr>
-        <p:blipFill>
-          <a:blip r:embed="rId2" cstate="print"/>
-          <a:srcRect/>
-          <a:stretch>
-            <a:fillRect/>
-          </a:stretch>
-        </p:blipFill>
-        <p:spPr bwMode="auto">
-          <a:xfrm>
-            <a:off x="457200" y="1828800"/>
-            <a:ext cx="6311900" cy="4248150"/>
-          </a:xfrm>
-          <a:prstGeom prst="rect">
-            <a:avLst/>
-          </a:prstGeom>
-          <a:noFill/>
-          <a:ln w="9525">
-            <a:noFill/>
-            <a:miter lim="800000"/>
-            <a:headEnd/>
-            <a:tailEnd/>
-          </a:ln>
-        </p:spPr>
-      </p:pic>
-    </p:spTree>
-  </p:cSld>
-  <p:clrMapOvr>
-    <a:masterClrMapping/>
-  </p:clrMapOvr>
-</p:sld>
-</file>
-
-<file path=ppt/slides/slide9.xml><?xml version="1.0" encoding="utf-8"?>
-<p:sld xmlns:a="http://schemas.openxmlformats.org/drawingml/2006/main" xmlns:r="http://schemas.openxmlformats.org/officeDocument/2006/relationships" xmlns:p="http://schemas.openxmlformats.org/presentationml/2006/main">
-  <p:cSld>
-    <p:spTree>
-      <p:nvGrpSpPr>
-        <p:cNvPr id="1" name=""/>
-        <p:cNvGrpSpPr/>
-        <p:nvPr/>
-      </p:nvGrpSpPr>
-      <p:grpSpPr>
-        <a:xfrm>
-          <a:off x="0" y="0"/>
-          <a:ext cx="0" cy="0"/>
-          <a:chOff x="0" y="0"/>
-          <a:chExt cx="0" cy="0"/>
-        </a:xfrm>
-      </p:grpSpPr>
-      <p:sp>
-        <p:nvSpPr>
-          <p:cNvPr id="2" name="Title 1"/>
-          <p:cNvSpPr>
-            <a:spLocks noGrp="1"/>
-          </p:cNvSpPr>
-          <p:nvPr>
-            <p:ph type="title"/>
-          </p:nvPr>
-        </p:nvSpPr>
-        <p:spPr/>
-        <p:txBody>
-          <a:bodyPr/>
-          <a:lstStyle/>
-          <a:p>
-            <a:r>
-              <a:rPr lang="en-US" dirty="0" smtClean="0"/>
-              <a:t>CLIP Output Directory</a:t>
-            </a:r>
-            <a:endParaRPr lang="en-US" dirty="0"/>
-          </a:p>
-        </p:txBody>
-      </p:sp>
-      <p:pic>
-        <p:nvPicPr>
-          <p:cNvPr id="6146" name="Picture 2"/>
-          <p:cNvPicPr>
-            <a:picLocks noChangeAspect="1" noChangeArrowheads="1"/>
-          </p:cNvPicPr>
-          <p:nvPr/>
-        </p:nvPicPr>
-        <p:blipFill>
-          <a:blip r:embed="rId2" cstate="print"/>
-          <a:srcRect/>
-          <a:stretch>
-            <a:fillRect/>
-          </a:stretch>
-        </p:blipFill>
-        <p:spPr bwMode="auto">
-          <a:xfrm>
-            <a:off x="914400" y="1752600"/>
-            <a:ext cx="6311900" cy="4248150"/>
-          </a:xfrm>
-          <a:prstGeom prst="rect">
-            <a:avLst/>
-          </a:prstGeom>
-          <a:noFill/>
-          <a:ln w="9525">
-            <a:noFill/>
-            <a:miter lim="800000"/>
-            <a:headEnd/>
-            <a:tailEnd/>
-          </a:ln>
-        </p:spPr>
-      </p:pic>
-      <p:sp>
-        <p:nvSpPr>
-          <p:cNvPr id="5" name="Oval 4"/>
-          <p:cNvSpPr/>
-          <p:nvPr/>
-        </p:nvSpPr>
-        <p:spPr>
-          <a:xfrm>
-            <a:off x="762000" y="3276600"/>
-            <a:ext cx="6858000" cy="685800"/>
-          </a:xfrm>
-          <a:prstGeom prst="ellipse">
-            <a:avLst/>
-          </a:prstGeom>
-          <a:noFill/>
-          <a:ln w="53975">
-            <a:solidFill>
-              <a:srgbClr val="FF0000"/>
-            </a:solidFill>
-          </a:ln>
-        </p:spPr>
-        <p:style>
-          <a:lnRef idx="2">
-            <a:schemeClr val="accent1">
-              <a:shade val="50000"/>
-            </a:schemeClr>
-          </a:lnRef>
-          <a:fillRef idx="1">
-            <a:schemeClr val="accent1"/>
-          </a:fillRef>
-          <a:effectRef idx="0">
-            <a:schemeClr val="accent1"/>
-          </a:effectRef>
-          <a:fontRef idx="minor">
-            <a:schemeClr val="lt1"/>
-          </a:fontRef>
-        </p:style>
-        <p:txBody>
-          <a:bodyPr rtlCol="0" anchor="ctr"/>
-          <a:lstStyle/>
-          <a:p>
-            <a:pPr algn="ctr"/>
-            <a:endParaRPr lang="en-US"/>
-          </a:p>
-        </p:txBody>
-      </p:sp>
-      <p:sp>
-        <p:nvSpPr>
-          <p:cNvPr id="8" name="TextBox 7"/>
-          <p:cNvSpPr txBox="1"/>
-          <p:nvPr/>
-        </p:nvSpPr>
-        <p:spPr>
-          <a:xfrm>
-            <a:off x="7315200" y="2057400"/>
-            <a:ext cx="1005403" cy="369332"/>
-          </a:xfrm>
-          <a:prstGeom prst="rect">
-            <a:avLst/>
-          </a:prstGeom>
-          <a:noFill/>
-        </p:spPr>
-        <p:txBody>
-          <a:bodyPr wrap="none" rtlCol="0">
-            <a:spAutoFit/>
-          </a:bodyPr>
-          <a:lstStyle/>
-          <a:p>
-            <a:r>
-              <a:rPr lang="en-US" dirty="0" smtClean="0"/>
-              <a:t>Clip Files</a:t>
-            </a:r>
-            <a:endParaRPr lang="en-US" dirty="0"/>
-          </a:p>
-        </p:txBody>
-      </p:sp>
-      <p:cxnSp>
-        <p:nvCxnSpPr>
-          <p:cNvPr id="10" name="Straight Arrow Connector 9"/>
-          <p:cNvCxnSpPr/>
-          <p:nvPr/>
-        </p:nvCxnSpPr>
-        <p:spPr>
-          <a:xfrm flipV="1">
-            <a:off x="7543800" y="2514600"/>
-            <a:ext cx="152400" cy="914400"/>
-          </a:xfrm>
-          <a:prstGeom prst="straightConnector1">
-            <a:avLst/>
-          </a:prstGeom>
-          <a:ln>
-            <a:tailEnd type="arrow"/>
-          </a:ln>
-        </p:spPr>
-        <p:style>
-          <a:lnRef idx="1">
-            <a:schemeClr val="accent1"/>
-          </a:lnRef>
-          <a:fillRef idx="0">
-            <a:schemeClr val="accent1"/>
-          </a:fillRef>
-          <a:effectRef idx="0">
-            <a:schemeClr val="accent1"/>
-          </a:effectRef>
-          <a:fontRef idx="minor">
-            <a:schemeClr val="tx1"/>
-          </a:fontRef>
-        </p:style>
-      </p:cxnSp>
     </p:spTree>
   </p:cSld>
   <p:clrMapOvr>
